--- a/VikingQuestVR_Cycles_DM.pptx
+++ b/VikingQuestVR_Cycles_DM.pptx
@@ -1,78 +1,49 @@
 
 <file path=ppt/presentation.xml><?xml version="1.0" encoding="utf-8"?>
-<p:presentation xmlns:a="http://schemas.openxmlformats.org/drawingml/2006/main" xmlns:r="http://schemas.openxmlformats.org/officeDocument/2006/relationships" xmlns:p="http://schemas.openxmlformats.org/presentationml/2006/main" strictFirstAndLastChars="0" embedTrueTypeFonts="1" saveSubsetFonts="1" autoCompressPictures="0">
+<p:presentation xmlns:a="http://schemas.openxmlformats.org/drawingml/2006/main" xmlns:r="http://schemas.openxmlformats.org/officeDocument/2006/relationships" xmlns:p="http://schemas.openxmlformats.org/presentationml/2006/main" strictFirstAndLastChars="0" saveSubsetFonts="1" autoCompressPictures="0">
   <p:sldMasterIdLst>
     <p:sldMasterId id="2147483691" r:id="rId1"/>
     <p:sldMasterId id="2147483692" r:id="rId2"/>
   </p:sldMasterIdLst>
   <p:notesMasterIdLst>
-    <p:notesMasterId r:id="rId36"/>
+    <p:notesMasterId r:id="rId35"/>
   </p:notesMasterIdLst>
   <p:sldIdLst>
     <p:sldId id="256" r:id="rId3"/>
-    <p:sldId id="264" r:id="rId4"/>
-    <p:sldId id="257" r:id="rId5"/>
-    <p:sldId id="288" r:id="rId6"/>
-    <p:sldId id="258" r:id="rId7"/>
-    <p:sldId id="259" r:id="rId8"/>
-    <p:sldId id="260" r:id="rId9"/>
-    <p:sldId id="261" r:id="rId10"/>
-    <p:sldId id="262" r:id="rId11"/>
-    <p:sldId id="263" r:id="rId12"/>
-    <p:sldId id="265" r:id="rId13"/>
-    <p:sldId id="266" r:id="rId14"/>
-    <p:sldId id="267" r:id="rId15"/>
-    <p:sldId id="268" r:id="rId16"/>
-    <p:sldId id="269" r:id="rId17"/>
-    <p:sldId id="270" r:id="rId18"/>
-    <p:sldId id="271" r:id="rId19"/>
-    <p:sldId id="272" r:id="rId20"/>
-    <p:sldId id="273" r:id="rId21"/>
-    <p:sldId id="274" r:id="rId22"/>
-    <p:sldId id="275" r:id="rId23"/>
-    <p:sldId id="276" r:id="rId24"/>
-    <p:sldId id="277" r:id="rId25"/>
-    <p:sldId id="278" r:id="rId26"/>
-    <p:sldId id="279" r:id="rId27"/>
-    <p:sldId id="280" r:id="rId28"/>
-    <p:sldId id="281" r:id="rId29"/>
-    <p:sldId id="282" r:id="rId30"/>
-    <p:sldId id="283" r:id="rId31"/>
-    <p:sldId id="284" r:id="rId32"/>
-    <p:sldId id="285" r:id="rId33"/>
-    <p:sldId id="286" r:id="rId34"/>
-    <p:sldId id="287" r:id="rId35"/>
+    <p:sldId id="257" r:id="rId4"/>
+    <p:sldId id="288" r:id="rId5"/>
+    <p:sldId id="258" r:id="rId6"/>
+    <p:sldId id="259" r:id="rId7"/>
+    <p:sldId id="260" r:id="rId8"/>
+    <p:sldId id="261" r:id="rId9"/>
+    <p:sldId id="262" r:id="rId10"/>
+    <p:sldId id="263" r:id="rId11"/>
+    <p:sldId id="265" r:id="rId12"/>
+    <p:sldId id="266" r:id="rId13"/>
+    <p:sldId id="267" r:id="rId14"/>
+    <p:sldId id="268" r:id="rId15"/>
+    <p:sldId id="269" r:id="rId16"/>
+    <p:sldId id="270" r:id="rId17"/>
+    <p:sldId id="271" r:id="rId18"/>
+    <p:sldId id="272" r:id="rId19"/>
+    <p:sldId id="273" r:id="rId20"/>
+    <p:sldId id="274" r:id="rId21"/>
+    <p:sldId id="275" r:id="rId22"/>
+    <p:sldId id="276" r:id="rId23"/>
+    <p:sldId id="277" r:id="rId24"/>
+    <p:sldId id="278" r:id="rId25"/>
+    <p:sldId id="279" r:id="rId26"/>
+    <p:sldId id="280" r:id="rId27"/>
+    <p:sldId id="281" r:id="rId28"/>
+    <p:sldId id="282" r:id="rId29"/>
+    <p:sldId id="283" r:id="rId30"/>
+    <p:sldId id="284" r:id="rId31"/>
+    <p:sldId id="285" r:id="rId32"/>
+    <p:sldId id="286" r:id="rId33"/>
+    <p:sldId id="287" r:id="rId34"/>
   </p:sldIdLst>
   <p:sldSz cx="9144000" cy="5143500" type="screen16x9"/>
   <p:notesSz cx="6858000" cy="9144000"/>
-  <p:embeddedFontLst>
-    <p:embeddedFont>
-      <p:font typeface="Consolas" panose="020B0609020204030204" pitchFamily="49" charset="0"/>
-      <p:regular r:id="rId37"/>
-      <p:bold r:id="rId38"/>
-      <p:italic r:id="rId39"/>
-      <p:boldItalic r:id="rId40"/>
-    </p:embeddedFont>
-    <p:embeddedFont>
-      <p:font typeface="Roboto Light" panose="020B0604020202020204" charset="0"/>
-      <p:regular r:id="rId41"/>
-      <p:bold r:id="rId42"/>
-      <p:italic r:id="rId43"/>
-      <p:boldItalic r:id="rId44"/>
-    </p:embeddedFont>
-    <p:embeddedFont>
-      <p:font typeface="Roboto Thin" panose="020B0604020202020204" charset="0"/>
-      <p:regular r:id="rId45"/>
-      <p:bold r:id="rId46"/>
-      <p:italic r:id="rId47"/>
-      <p:boldItalic r:id="rId48"/>
-    </p:embeddedFont>
-    <p:embeddedFont>
-      <p:font typeface="Roboto" panose="020B0604020202020204" charset="0"/>
-      <p:bold r:id="rId49"/>
-      <p:boldItalic r:id="rId50"/>
-    </p:embeddedFont>
-  </p:embeddedFontLst>
   <p:defaultTextStyle>
     <a:defPPr marR="0" lvl="0" algn="l" rtl="0">
       <a:lnSpc>
@@ -275,6 +246,11 @@
       </a:defRPr>
     </a:lvl9pPr>
   </p:defaultTextStyle>
+  <p:extLst>
+    <p:ext uri="{EFAFB233-063F-42B5-8137-9DF3F51BA10A}">
+      <p15:sldGuideLst xmlns:p15="http://schemas.microsoft.com/office/powerpoint/2012/main"/>
+    </p:ext>
+  </p:extLst>
 </p:presentation>
 </file>
 
@@ -785,107 +761,6 @@
   <p:cSld>
     <p:spTree>
       <p:nvGrpSpPr>
-        <p:cNvPr id="1" name="Shape 259"/>
-        <p:cNvGrpSpPr/>
-        <p:nvPr/>
-      </p:nvGrpSpPr>
-      <p:grpSpPr>
-        <a:xfrm>
-          <a:off x="0" y="0"/>
-          <a:ext cx="0" cy="0"/>
-          <a:chOff x="0" y="0"/>
-          <a:chExt cx="0" cy="0"/>
-        </a:xfrm>
-      </p:grpSpPr>
-      <p:sp>
-        <p:nvSpPr>
-          <p:cNvPr id="260" name="Shape 260"/>
-          <p:cNvSpPr txBox="1">
-            <a:spLocks noGrp="1"/>
-          </p:cNvSpPr>
-          <p:nvPr>
-            <p:ph type="body" idx="1"/>
-          </p:nvPr>
-        </p:nvSpPr>
-        <p:spPr>
-          <a:xfrm>
-            <a:off x="685800" y="4343400"/>
-            <a:ext cx="5486399" cy="4114800"/>
-          </a:xfrm>
-          <a:prstGeom prst="rect">
-            <a:avLst/>
-          </a:prstGeom>
-        </p:spPr>
-        <p:txBody>
-          <a:bodyPr lIns="91425" tIns="91425" rIns="91425" bIns="91425" anchor="t" anchorCtr="0">
-            <a:noAutofit/>
-          </a:bodyPr>
-          <a:lstStyle/>
-          <a:p>
-            <a:pPr lvl="0">
-              <a:spcBef>
-                <a:spcPts val="0"/>
-              </a:spcBef>
-              <a:buNone/>
-            </a:pPr>
-            <a:endParaRPr/>
-          </a:p>
-        </p:txBody>
-      </p:sp>
-      <p:sp>
-        <p:nvSpPr>
-          <p:cNvPr id="261" name="Shape 261"/>
-          <p:cNvSpPr>
-            <a:spLocks noGrp="1" noRot="1" noChangeAspect="1"/>
-          </p:cNvSpPr>
-          <p:nvPr>
-            <p:ph type="sldImg" idx="2"/>
-          </p:nvPr>
-        </p:nvSpPr>
-        <p:spPr>
-          <a:xfrm>
-            <a:off x="381000" y="685800"/>
-            <a:ext cx="6096000" cy="3429000"/>
-          </a:xfrm>
-          <a:custGeom>
-            <a:avLst/>
-            <a:gdLst/>
-            <a:ahLst/>
-            <a:cxnLst/>
-            <a:rect l="0" t="0" r="0" b="0"/>
-            <a:pathLst>
-              <a:path w="120000" h="120000" extrusionOk="0">
-                <a:moveTo>
-                  <a:pt x="0" y="0"/>
-                </a:moveTo>
-                <a:lnTo>
-                  <a:pt x="120000" y="0"/>
-                </a:lnTo>
-                <a:lnTo>
-                  <a:pt x="120000" y="120000"/>
-                </a:lnTo>
-                <a:lnTo>
-                  <a:pt x="0" y="120000"/>
-                </a:lnTo>
-                <a:close/>
-              </a:path>
-            </a:pathLst>
-          </a:custGeom>
-        </p:spPr>
-      </p:sp>
-    </p:spTree>
-  </p:cSld>
-  <p:clrMapOvr>
-    <a:masterClrMapping/>
-  </p:clrMapOvr>
-</p:notes>
-</file>
-
-<file path=ppt/notesSlides/notesSlide11.xml><?xml version="1.0" encoding="utf-8"?>
-<p:notes xmlns:a="http://schemas.openxmlformats.org/drawingml/2006/main" xmlns:r="http://schemas.openxmlformats.org/officeDocument/2006/relationships" xmlns:p="http://schemas.openxmlformats.org/presentationml/2006/main" showMasterSp="0" showMasterPhAnim="0">
-  <p:cSld>
-    <p:spTree>
-      <p:nvGrpSpPr>
         <p:cNvPr id="1" name="Shape 270"/>
         <p:cNvGrpSpPr/>
         <p:nvPr/>
@@ -982,7 +857,7 @@
 </p:notes>
 </file>
 
-<file path=ppt/notesSlides/notesSlide12.xml><?xml version="1.0" encoding="utf-8"?>
+<file path=ppt/notesSlides/notesSlide11.xml><?xml version="1.0" encoding="utf-8"?>
 <p:notes xmlns:a="http://schemas.openxmlformats.org/drawingml/2006/main" xmlns:r="http://schemas.openxmlformats.org/officeDocument/2006/relationships" xmlns:p="http://schemas.openxmlformats.org/presentationml/2006/main" showMasterSp="0" showMasterPhAnim="0">
   <p:cSld>
     <p:spTree>
@@ -1083,7 +958,7 @@
 </p:notes>
 </file>
 
-<file path=ppt/notesSlides/notesSlide13.xml><?xml version="1.0" encoding="utf-8"?>
+<file path=ppt/notesSlides/notesSlide12.xml><?xml version="1.0" encoding="utf-8"?>
 <p:notes xmlns:a="http://schemas.openxmlformats.org/drawingml/2006/main" xmlns:r="http://schemas.openxmlformats.org/officeDocument/2006/relationships" xmlns:p="http://schemas.openxmlformats.org/presentationml/2006/main" showMasterSp="0" showMasterPhAnim="0">
   <p:cSld>
     <p:spTree>
@@ -1184,7 +1059,7 @@
 </p:notes>
 </file>
 
-<file path=ppt/notesSlides/notesSlide14.xml><?xml version="1.0" encoding="utf-8"?>
+<file path=ppt/notesSlides/notesSlide13.xml><?xml version="1.0" encoding="utf-8"?>
 <p:notes xmlns:a="http://schemas.openxmlformats.org/drawingml/2006/main" xmlns:r="http://schemas.openxmlformats.org/officeDocument/2006/relationships" xmlns:p="http://schemas.openxmlformats.org/presentationml/2006/main" showMasterSp="0" showMasterPhAnim="0">
   <p:cSld>
     <p:spTree>
@@ -1285,7 +1160,7 @@
 </p:notes>
 </file>
 
-<file path=ppt/notesSlides/notesSlide15.xml><?xml version="1.0" encoding="utf-8"?>
+<file path=ppt/notesSlides/notesSlide14.xml><?xml version="1.0" encoding="utf-8"?>
 <p:notes xmlns:a="http://schemas.openxmlformats.org/drawingml/2006/main" xmlns:r="http://schemas.openxmlformats.org/officeDocument/2006/relationships" xmlns:p="http://schemas.openxmlformats.org/presentationml/2006/main" showMasterSp="0" showMasterPhAnim="0">
   <p:cSld>
     <p:spTree>
@@ -1386,7 +1261,7 @@
 </p:notes>
 </file>
 
-<file path=ppt/notesSlides/notesSlide16.xml><?xml version="1.0" encoding="utf-8"?>
+<file path=ppt/notesSlides/notesSlide15.xml><?xml version="1.0" encoding="utf-8"?>
 <p:notes xmlns:a="http://schemas.openxmlformats.org/drawingml/2006/main" xmlns:r="http://schemas.openxmlformats.org/officeDocument/2006/relationships" xmlns:p="http://schemas.openxmlformats.org/presentationml/2006/main" showMasterSp="0" showMasterPhAnim="0">
   <p:cSld>
     <p:spTree>
@@ -1487,7 +1362,7 @@
 </p:notes>
 </file>
 
-<file path=ppt/notesSlides/notesSlide17.xml><?xml version="1.0" encoding="utf-8"?>
+<file path=ppt/notesSlides/notesSlide16.xml><?xml version="1.0" encoding="utf-8"?>
 <p:notes xmlns:a="http://schemas.openxmlformats.org/drawingml/2006/main" xmlns:r="http://schemas.openxmlformats.org/officeDocument/2006/relationships" xmlns:p="http://schemas.openxmlformats.org/presentationml/2006/main" showMasterSp="0" showMasterPhAnim="0">
   <p:cSld>
     <p:spTree>
@@ -1588,7 +1463,7 @@
 </p:notes>
 </file>
 
-<file path=ppt/notesSlides/notesSlide18.xml><?xml version="1.0" encoding="utf-8"?>
+<file path=ppt/notesSlides/notesSlide17.xml><?xml version="1.0" encoding="utf-8"?>
 <p:notes xmlns:a="http://schemas.openxmlformats.org/drawingml/2006/main" xmlns:r="http://schemas.openxmlformats.org/officeDocument/2006/relationships" xmlns:p="http://schemas.openxmlformats.org/presentationml/2006/main" showMasterSp="0" showMasterPhAnim="0">
   <p:cSld>
     <p:spTree>
@@ -1689,7 +1564,7 @@
 </p:notes>
 </file>
 
-<file path=ppt/notesSlides/notesSlide19.xml><?xml version="1.0" encoding="utf-8"?>
+<file path=ppt/notesSlides/notesSlide18.xml><?xml version="1.0" encoding="utf-8"?>
 <p:notes xmlns:a="http://schemas.openxmlformats.org/drawingml/2006/main" xmlns:r="http://schemas.openxmlformats.org/officeDocument/2006/relationships" xmlns:p="http://schemas.openxmlformats.org/presentationml/2006/main" showMasterSp="0" showMasterPhAnim="0">
   <p:cSld>
     <p:spTree>
@@ -1790,108 +1665,7 @@
 </p:notes>
 </file>
 
-<file path=ppt/notesSlides/notesSlide2.xml><?xml version="1.0" encoding="utf-8"?>
-<p:notes xmlns:a="http://schemas.openxmlformats.org/drawingml/2006/main" xmlns:r="http://schemas.openxmlformats.org/officeDocument/2006/relationships" xmlns:p="http://schemas.openxmlformats.org/presentationml/2006/main" showMasterSp="0" showMasterPhAnim="0">
-  <p:cSld>
-    <p:spTree>
-      <p:nvGrpSpPr>
-        <p:cNvPr id="1" name="Shape 265"/>
-        <p:cNvGrpSpPr/>
-        <p:nvPr/>
-      </p:nvGrpSpPr>
-      <p:grpSpPr>
-        <a:xfrm>
-          <a:off x="0" y="0"/>
-          <a:ext cx="0" cy="0"/>
-          <a:chOff x="0" y="0"/>
-          <a:chExt cx="0" cy="0"/>
-        </a:xfrm>
-      </p:grpSpPr>
-      <p:sp>
-        <p:nvSpPr>
-          <p:cNvPr id="266" name="Shape 266"/>
-          <p:cNvSpPr txBox="1">
-            <a:spLocks noGrp="1"/>
-          </p:cNvSpPr>
-          <p:nvPr>
-            <p:ph type="body" idx="1"/>
-          </p:nvPr>
-        </p:nvSpPr>
-        <p:spPr>
-          <a:xfrm>
-            <a:off x="685800" y="4343400"/>
-            <a:ext cx="5486399" cy="4114800"/>
-          </a:xfrm>
-          <a:prstGeom prst="rect">
-            <a:avLst/>
-          </a:prstGeom>
-        </p:spPr>
-        <p:txBody>
-          <a:bodyPr lIns="91425" tIns="91425" rIns="91425" bIns="91425" anchor="t" anchorCtr="0">
-            <a:noAutofit/>
-          </a:bodyPr>
-          <a:lstStyle/>
-          <a:p>
-            <a:pPr lvl="0">
-              <a:spcBef>
-                <a:spcPts val="0"/>
-              </a:spcBef>
-              <a:buNone/>
-            </a:pPr>
-            <a:endParaRPr/>
-          </a:p>
-        </p:txBody>
-      </p:sp>
-      <p:sp>
-        <p:nvSpPr>
-          <p:cNvPr id="267" name="Shape 267"/>
-          <p:cNvSpPr>
-            <a:spLocks noGrp="1" noRot="1" noChangeAspect="1"/>
-          </p:cNvSpPr>
-          <p:nvPr>
-            <p:ph type="sldImg" idx="2"/>
-          </p:nvPr>
-        </p:nvSpPr>
-        <p:spPr>
-          <a:xfrm>
-            <a:off x="381000" y="685800"/>
-            <a:ext cx="6096000" cy="3429000"/>
-          </a:xfrm>
-          <a:custGeom>
-            <a:avLst/>
-            <a:gdLst/>
-            <a:ahLst/>
-            <a:cxnLst/>
-            <a:rect l="0" t="0" r="0" b="0"/>
-            <a:pathLst>
-              <a:path w="120000" h="120000" extrusionOk="0">
-                <a:moveTo>
-                  <a:pt x="0" y="0"/>
-                </a:moveTo>
-                <a:lnTo>
-                  <a:pt x="120000" y="0"/>
-                </a:lnTo>
-                <a:lnTo>
-                  <a:pt x="120000" y="120000"/>
-                </a:lnTo>
-                <a:lnTo>
-                  <a:pt x="0" y="120000"/>
-                </a:lnTo>
-                <a:close/>
-              </a:path>
-            </a:pathLst>
-          </a:custGeom>
-        </p:spPr>
-      </p:sp>
-    </p:spTree>
-  </p:cSld>
-  <p:clrMapOvr>
-    <a:masterClrMapping/>
-  </p:clrMapOvr>
-</p:notes>
-</file>
-
-<file path=ppt/notesSlides/notesSlide20.xml><?xml version="1.0" encoding="utf-8"?>
+<file path=ppt/notesSlides/notesSlide19.xml><?xml version="1.0" encoding="utf-8"?>
 <p:notes xmlns:a="http://schemas.openxmlformats.org/drawingml/2006/main" xmlns:r="http://schemas.openxmlformats.org/officeDocument/2006/relationships" xmlns:p="http://schemas.openxmlformats.org/presentationml/2006/main" showMasterSp="0" showMasterPhAnim="0">
   <p:cSld>
     <p:spTree>
@@ -1992,7 +1766,108 @@
 </p:notes>
 </file>
 
-<file path=ppt/notesSlides/notesSlide21.xml><?xml version="1.0" encoding="utf-8"?>
+<file path=ppt/notesSlides/notesSlide2.xml><?xml version="1.0" encoding="utf-8"?>
+<p:notes xmlns:a="http://schemas.openxmlformats.org/drawingml/2006/main" xmlns:r="http://schemas.openxmlformats.org/officeDocument/2006/relationships" xmlns:p="http://schemas.openxmlformats.org/presentationml/2006/main" showMasterSp="0" showMasterPhAnim="0">
+  <p:cSld>
+    <p:spTree>
+      <p:nvGrpSpPr>
+        <p:cNvPr id="1" name="Shape 219"/>
+        <p:cNvGrpSpPr/>
+        <p:nvPr/>
+      </p:nvGrpSpPr>
+      <p:grpSpPr>
+        <a:xfrm>
+          <a:off x="0" y="0"/>
+          <a:ext cx="0" cy="0"/>
+          <a:chOff x="0" y="0"/>
+          <a:chExt cx="0" cy="0"/>
+        </a:xfrm>
+      </p:grpSpPr>
+      <p:sp>
+        <p:nvSpPr>
+          <p:cNvPr id="220" name="Shape 220"/>
+          <p:cNvSpPr txBox="1">
+            <a:spLocks noGrp="1"/>
+          </p:cNvSpPr>
+          <p:nvPr>
+            <p:ph type="body" idx="1"/>
+          </p:nvPr>
+        </p:nvSpPr>
+        <p:spPr>
+          <a:xfrm>
+            <a:off x="685800" y="4343400"/>
+            <a:ext cx="5486399" cy="4114800"/>
+          </a:xfrm>
+          <a:prstGeom prst="rect">
+            <a:avLst/>
+          </a:prstGeom>
+        </p:spPr>
+        <p:txBody>
+          <a:bodyPr lIns="91425" tIns="91425" rIns="91425" bIns="91425" anchor="t" anchorCtr="0">
+            <a:noAutofit/>
+          </a:bodyPr>
+          <a:lstStyle/>
+          <a:p>
+            <a:pPr lvl="0">
+              <a:spcBef>
+                <a:spcPts val="0"/>
+              </a:spcBef>
+              <a:buNone/>
+            </a:pPr>
+            <a:endParaRPr/>
+          </a:p>
+        </p:txBody>
+      </p:sp>
+      <p:sp>
+        <p:nvSpPr>
+          <p:cNvPr id="221" name="Shape 221"/>
+          <p:cNvSpPr>
+            <a:spLocks noGrp="1" noRot="1" noChangeAspect="1"/>
+          </p:cNvSpPr>
+          <p:nvPr>
+            <p:ph type="sldImg" idx="2"/>
+          </p:nvPr>
+        </p:nvSpPr>
+        <p:spPr>
+          <a:xfrm>
+            <a:off x="381000" y="685800"/>
+            <a:ext cx="6096000" cy="3429000"/>
+          </a:xfrm>
+          <a:custGeom>
+            <a:avLst/>
+            <a:gdLst/>
+            <a:ahLst/>
+            <a:cxnLst/>
+            <a:rect l="0" t="0" r="0" b="0"/>
+            <a:pathLst>
+              <a:path w="120000" h="120000" extrusionOk="0">
+                <a:moveTo>
+                  <a:pt x="0" y="0"/>
+                </a:moveTo>
+                <a:lnTo>
+                  <a:pt x="120000" y="0"/>
+                </a:lnTo>
+                <a:lnTo>
+                  <a:pt x="120000" y="120000"/>
+                </a:lnTo>
+                <a:lnTo>
+                  <a:pt x="0" y="120000"/>
+                </a:lnTo>
+                <a:close/>
+              </a:path>
+            </a:pathLst>
+          </a:custGeom>
+        </p:spPr>
+      </p:sp>
+    </p:spTree>
+  </p:cSld>
+  <p:clrMapOvr>
+    <a:masterClrMapping/>
+  </p:clrMapOvr>
+</p:notes>
+</file>
+
+<file path=ppt/notesSlides/notesSlide20.xml><?xml version="1.0" encoding="utf-8"?>
 <p:notes xmlns:a="http://schemas.openxmlformats.org/drawingml/2006/main" xmlns:r="http://schemas.openxmlformats.org/officeDocument/2006/relationships" xmlns:p="http://schemas.openxmlformats.org/presentationml/2006/main" showMasterSp="0" showMasterPhAnim="0">
   <p:cSld>
     <p:spTree>
@@ -2093,7 +1968,7 @@
 </p:notes>
 </file>
 
-<file path=ppt/notesSlides/notesSlide22.xml><?xml version="1.0" encoding="utf-8"?>
+<file path=ppt/notesSlides/notesSlide21.xml><?xml version="1.0" encoding="utf-8"?>
 <p:notes xmlns:a="http://schemas.openxmlformats.org/drawingml/2006/main" xmlns:r="http://schemas.openxmlformats.org/officeDocument/2006/relationships" xmlns:p="http://schemas.openxmlformats.org/presentationml/2006/main" showMasterSp="0" showMasterPhAnim="0">
   <p:cSld>
     <p:spTree>
@@ -2194,7 +2069,7 @@
 </p:notes>
 </file>
 
-<file path=ppt/notesSlides/notesSlide23.xml><?xml version="1.0" encoding="utf-8"?>
+<file path=ppt/notesSlides/notesSlide22.xml><?xml version="1.0" encoding="utf-8"?>
 <p:notes xmlns:a="http://schemas.openxmlformats.org/drawingml/2006/main" xmlns:r="http://schemas.openxmlformats.org/officeDocument/2006/relationships" xmlns:p="http://schemas.openxmlformats.org/presentationml/2006/main" showMasterSp="0" showMasterPhAnim="0">
   <p:cSld>
     <p:spTree>
@@ -2295,7 +2170,7 @@
 </p:notes>
 </file>
 
-<file path=ppt/notesSlides/notesSlide24.xml><?xml version="1.0" encoding="utf-8"?>
+<file path=ppt/notesSlides/notesSlide23.xml><?xml version="1.0" encoding="utf-8"?>
 <p:notes xmlns:a="http://schemas.openxmlformats.org/drawingml/2006/main" xmlns:r="http://schemas.openxmlformats.org/officeDocument/2006/relationships" xmlns:p="http://schemas.openxmlformats.org/presentationml/2006/main" showMasterSp="0" showMasterPhAnim="0">
   <p:cSld>
     <p:spTree>
@@ -2396,7 +2271,7 @@
 </p:notes>
 </file>
 
-<file path=ppt/notesSlides/notesSlide25.xml><?xml version="1.0" encoding="utf-8"?>
+<file path=ppt/notesSlides/notesSlide24.xml><?xml version="1.0" encoding="utf-8"?>
 <p:notes xmlns:a="http://schemas.openxmlformats.org/drawingml/2006/main" xmlns:r="http://schemas.openxmlformats.org/officeDocument/2006/relationships" xmlns:p="http://schemas.openxmlformats.org/presentationml/2006/main" showMasterSp="0" showMasterPhAnim="0">
   <p:cSld>
     <p:spTree>
@@ -2497,7 +2372,7 @@
 </p:notes>
 </file>
 
-<file path=ppt/notesSlides/notesSlide26.xml><?xml version="1.0" encoding="utf-8"?>
+<file path=ppt/notesSlides/notesSlide25.xml><?xml version="1.0" encoding="utf-8"?>
 <p:notes xmlns:a="http://schemas.openxmlformats.org/drawingml/2006/main" xmlns:r="http://schemas.openxmlformats.org/officeDocument/2006/relationships" xmlns:p="http://schemas.openxmlformats.org/presentationml/2006/main" showMasterSp="0" showMasterPhAnim="0">
   <p:cSld>
     <p:spTree>
@@ -2598,7 +2473,7 @@
 </p:notes>
 </file>
 
-<file path=ppt/notesSlides/notesSlide27.xml><?xml version="1.0" encoding="utf-8"?>
+<file path=ppt/notesSlides/notesSlide26.xml><?xml version="1.0" encoding="utf-8"?>
 <p:notes xmlns:a="http://schemas.openxmlformats.org/drawingml/2006/main" xmlns:r="http://schemas.openxmlformats.org/officeDocument/2006/relationships" xmlns:p="http://schemas.openxmlformats.org/presentationml/2006/main" showMasterSp="0" showMasterPhAnim="0">
   <p:cSld>
     <p:spTree>
@@ -2699,7 +2574,7 @@
 </p:notes>
 </file>
 
-<file path=ppt/notesSlides/notesSlide28.xml><?xml version="1.0" encoding="utf-8"?>
+<file path=ppt/notesSlides/notesSlide27.xml><?xml version="1.0" encoding="utf-8"?>
 <p:notes xmlns:a="http://schemas.openxmlformats.org/drawingml/2006/main" xmlns:r="http://schemas.openxmlformats.org/officeDocument/2006/relationships" xmlns:p="http://schemas.openxmlformats.org/presentationml/2006/main" showMasterSp="0" showMasterPhAnim="0">
   <p:cSld>
     <p:spTree>
@@ -2800,7 +2675,7 @@
 </p:notes>
 </file>
 
-<file path=ppt/notesSlides/notesSlide29.xml><?xml version="1.0" encoding="utf-8"?>
+<file path=ppt/notesSlides/notesSlide28.xml><?xml version="1.0" encoding="utf-8"?>
 <p:notes xmlns:a="http://schemas.openxmlformats.org/drawingml/2006/main" xmlns:r="http://schemas.openxmlformats.org/officeDocument/2006/relationships" xmlns:p="http://schemas.openxmlformats.org/presentationml/2006/main" showMasterSp="0" showMasterPhAnim="0">
   <p:cSld>
     <p:spTree>
@@ -2931,7 +2806,7 @@
             </a:pPr>
             <a:fld id="{00000000-1234-1234-1234-123412341234}" type="slidenum">
               <a:rPr lang="en-US"/>
-              <a:t>29</a:t>
+              <a:t>28</a:t>
             </a:fld>
             <a:endParaRPr lang="en-US"/>
           </a:p>
@@ -2945,108 +2820,7 @@
 </p:notes>
 </file>
 
-<file path=ppt/notesSlides/notesSlide3.xml><?xml version="1.0" encoding="utf-8"?>
-<p:notes xmlns:a="http://schemas.openxmlformats.org/drawingml/2006/main" xmlns:r="http://schemas.openxmlformats.org/officeDocument/2006/relationships" xmlns:p="http://schemas.openxmlformats.org/presentationml/2006/main" showMasterSp="0" showMasterPhAnim="0">
-  <p:cSld>
-    <p:spTree>
-      <p:nvGrpSpPr>
-        <p:cNvPr id="1" name="Shape 219"/>
-        <p:cNvGrpSpPr/>
-        <p:nvPr/>
-      </p:nvGrpSpPr>
-      <p:grpSpPr>
-        <a:xfrm>
-          <a:off x="0" y="0"/>
-          <a:ext cx="0" cy="0"/>
-          <a:chOff x="0" y="0"/>
-          <a:chExt cx="0" cy="0"/>
-        </a:xfrm>
-      </p:grpSpPr>
-      <p:sp>
-        <p:nvSpPr>
-          <p:cNvPr id="220" name="Shape 220"/>
-          <p:cNvSpPr txBox="1">
-            <a:spLocks noGrp="1"/>
-          </p:cNvSpPr>
-          <p:nvPr>
-            <p:ph type="body" idx="1"/>
-          </p:nvPr>
-        </p:nvSpPr>
-        <p:spPr>
-          <a:xfrm>
-            <a:off x="685800" y="4343400"/>
-            <a:ext cx="5486399" cy="4114800"/>
-          </a:xfrm>
-          <a:prstGeom prst="rect">
-            <a:avLst/>
-          </a:prstGeom>
-        </p:spPr>
-        <p:txBody>
-          <a:bodyPr lIns="91425" tIns="91425" rIns="91425" bIns="91425" anchor="t" anchorCtr="0">
-            <a:noAutofit/>
-          </a:bodyPr>
-          <a:lstStyle/>
-          <a:p>
-            <a:pPr lvl="0">
-              <a:spcBef>
-                <a:spcPts val="0"/>
-              </a:spcBef>
-              <a:buNone/>
-            </a:pPr>
-            <a:endParaRPr/>
-          </a:p>
-        </p:txBody>
-      </p:sp>
-      <p:sp>
-        <p:nvSpPr>
-          <p:cNvPr id="221" name="Shape 221"/>
-          <p:cNvSpPr>
-            <a:spLocks noGrp="1" noRot="1" noChangeAspect="1"/>
-          </p:cNvSpPr>
-          <p:nvPr>
-            <p:ph type="sldImg" idx="2"/>
-          </p:nvPr>
-        </p:nvSpPr>
-        <p:spPr>
-          <a:xfrm>
-            <a:off x="381000" y="685800"/>
-            <a:ext cx="6096000" cy="3429000"/>
-          </a:xfrm>
-          <a:custGeom>
-            <a:avLst/>
-            <a:gdLst/>
-            <a:ahLst/>
-            <a:cxnLst/>
-            <a:rect l="0" t="0" r="0" b="0"/>
-            <a:pathLst>
-              <a:path w="120000" h="120000" extrusionOk="0">
-                <a:moveTo>
-                  <a:pt x="0" y="0"/>
-                </a:moveTo>
-                <a:lnTo>
-                  <a:pt x="120000" y="0"/>
-                </a:lnTo>
-                <a:lnTo>
-                  <a:pt x="120000" y="120000"/>
-                </a:lnTo>
-                <a:lnTo>
-                  <a:pt x="0" y="120000"/>
-                </a:lnTo>
-                <a:close/>
-              </a:path>
-            </a:pathLst>
-          </a:custGeom>
-        </p:spPr>
-      </p:sp>
-    </p:spTree>
-  </p:cSld>
-  <p:clrMapOvr>
-    <a:masterClrMapping/>
-  </p:clrMapOvr>
-</p:notes>
-</file>
-
-<file path=ppt/notesSlides/notesSlide30.xml><?xml version="1.0" encoding="utf-8"?>
+<file path=ppt/notesSlides/notesSlide29.xml><?xml version="1.0" encoding="utf-8"?>
 <p:notes xmlns:a="http://schemas.openxmlformats.org/drawingml/2006/main" xmlns:r="http://schemas.openxmlformats.org/officeDocument/2006/relationships" xmlns:p="http://schemas.openxmlformats.org/presentationml/2006/main" showMasterSp="0" showMasterPhAnim="0">
   <p:cSld>
     <p:spTree>
@@ -3177,7 +2951,7 @@
             </a:pPr>
             <a:fld id="{00000000-1234-1234-1234-123412341234}" type="slidenum">
               <a:rPr lang="en-US"/>
-              <a:t>30</a:t>
+              <a:t>29</a:t>
             </a:fld>
             <a:endParaRPr lang="en-US"/>
           </a:p>
@@ -3191,7 +2965,113 @@
 </p:notes>
 </file>
 
-<file path=ppt/notesSlides/notesSlide31.xml><?xml version="1.0" encoding="utf-8"?>
+<file path=ppt/notesSlides/notesSlide3.xml><?xml version="1.0" encoding="utf-8"?>
+<p:notes xmlns:a="http://schemas.openxmlformats.org/drawingml/2006/main" xmlns:r="http://schemas.openxmlformats.org/officeDocument/2006/relationships" xmlns:p="http://schemas.openxmlformats.org/presentationml/2006/main" showMasterSp="0" showMasterPhAnim="0">
+  <p:cSld>
+    <p:spTree>
+      <p:nvGrpSpPr>
+        <p:cNvPr id="1" name="Shape 219"/>
+        <p:cNvGrpSpPr/>
+        <p:nvPr/>
+      </p:nvGrpSpPr>
+      <p:grpSpPr>
+        <a:xfrm>
+          <a:off x="0" y="0"/>
+          <a:ext cx="0" cy="0"/>
+          <a:chOff x="0" y="0"/>
+          <a:chExt cx="0" cy="0"/>
+        </a:xfrm>
+      </p:grpSpPr>
+      <p:sp>
+        <p:nvSpPr>
+          <p:cNvPr id="220" name="Shape 220"/>
+          <p:cNvSpPr txBox="1">
+            <a:spLocks noGrp="1"/>
+          </p:cNvSpPr>
+          <p:nvPr>
+            <p:ph type="body" idx="1"/>
+          </p:nvPr>
+        </p:nvSpPr>
+        <p:spPr>
+          <a:xfrm>
+            <a:off x="685800" y="4343400"/>
+            <a:ext cx="5486399" cy="4114800"/>
+          </a:xfrm>
+          <a:prstGeom prst="rect">
+            <a:avLst/>
+          </a:prstGeom>
+        </p:spPr>
+        <p:txBody>
+          <a:bodyPr lIns="91425" tIns="91425" rIns="91425" bIns="91425" anchor="t" anchorCtr="0">
+            <a:noAutofit/>
+          </a:bodyPr>
+          <a:lstStyle/>
+          <a:p>
+            <a:pPr lvl="0">
+              <a:spcBef>
+                <a:spcPts val="0"/>
+              </a:spcBef>
+              <a:buNone/>
+            </a:pPr>
+            <a:endParaRPr/>
+          </a:p>
+        </p:txBody>
+      </p:sp>
+      <p:sp>
+        <p:nvSpPr>
+          <p:cNvPr id="221" name="Shape 221"/>
+          <p:cNvSpPr>
+            <a:spLocks noGrp="1" noRot="1" noChangeAspect="1"/>
+          </p:cNvSpPr>
+          <p:nvPr>
+            <p:ph type="sldImg" idx="2"/>
+          </p:nvPr>
+        </p:nvSpPr>
+        <p:spPr>
+          <a:xfrm>
+            <a:off x="381000" y="685800"/>
+            <a:ext cx="6096000" cy="3429000"/>
+          </a:xfrm>
+          <a:custGeom>
+            <a:avLst/>
+            <a:gdLst/>
+            <a:ahLst/>
+            <a:cxnLst/>
+            <a:rect l="0" t="0" r="0" b="0"/>
+            <a:pathLst>
+              <a:path w="120000" h="120000" extrusionOk="0">
+                <a:moveTo>
+                  <a:pt x="0" y="0"/>
+                </a:moveTo>
+                <a:lnTo>
+                  <a:pt x="120000" y="0"/>
+                </a:lnTo>
+                <a:lnTo>
+                  <a:pt x="120000" y="120000"/>
+                </a:lnTo>
+                <a:lnTo>
+                  <a:pt x="0" y="120000"/>
+                </a:lnTo>
+                <a:close/>
+              </a:path>
+            </a:pathLst>
+          </a:custGeom>
+        </p:spPr>
+      </p:sp>
+    </p:spTree>
+    <p:extLst>
+      <p:ext uri="{BB962C8B-B14F-4D97-AF65-F5344CB8AC3E}">
+        <p14:creationId xmlns:p14="http://schemas.microsoft.com/office/powerpoint/2010/main" val="1149143330"/>
+      </p:ext>
+    </p:extLst>
+  </p:cSld>
+  <p:clrMapOvr>
+    <a:masterClrMapping/>
+  </p:clrMapOvr>
+</p:notes>
+</file>
+
+<file path=ppt/notesSlides/notesSlide30.xml><?xml version="1.0" encoding="utf-8"?>
 <p:notes xmlns:a="http://schemas.openxmlformats.org/drawingml/2006/main" xmlns:r="http://schemas.openxmlformats.org/officeDocument/2006/relationships" xmlns:p="http://schemas.openxmlformats.org/presentationml/2006/main" showMasterSp="0" showMasterPhAnim="0">
   <p:cSld>
     <p:spTree>
@@ -3322,7 +3202,7 @@
             </a:pPr>
             <a:fld id="{00000000-1234-1234-1234-123412341234}" type="slidenum">
               <a:rPr lang="en-US"/>
-              <a:t>31</a:t>
+              <a:t>30</a:t>
             </a:fld>
             <a:endParaRPr lang="en-US"/>
           </a:p>
@@ -3336,7 +3216,7 @@
 </p:notes>
 </file>
 
-<file path=ppt/notesSlides/notesSlide32.xml><?xml version="1.0" encoding="utf-8"?>
+<file path=ppt/notesSlides/notesSlide31.xml><?xml version="1.0" encoding="utf-8"?>
 <p:notes xmlns:a="http://schemas.openxmlformats.org/drawingml/2006/main" xmlns:r="http://schemas.openxmlformats.org/officeDocument/2006/relationships" xmlns:p="http://schemas.openxmlformats.org/presentationml/2006/main" showMasterSp="0" showMasterPhAnim="0">
   <p:cSld>
     <p:spTree>
@@ -3467,7 +3347,7 @@
             </a:pPr>
             <a:fld id="{00000000-1234-1234-1234-123412341234}" type="slidenum">
               <a:rPr lang="en-US"/>
-              <a:t>32</a:t>
+              <a:t>31</a:t>
             </a:fld>
             <a:endParaRPr lang="en-US"/>
           </a:p>
@@ -3481,7 +3361,7 @@
 </p:notes>
 </file>
 
-<file path=ppt/notesSlides/notesSlide33.xml><?xml version="1.0" encoding="utf-8"?>
+<file path=ppt/notesSlides/notesSlide32.xml><?xml version="1.0" encoding="utf-8"?>
 <p:notes xmlns:a="http://schemas.openxmlformats.org/drawingml/2006/main" xmlns:r="http://schemas.openxmlformats.org/officeDocument/2006/relationships" xmlns:p="http://schemas.openxmlformats.org/presentationml/2006/main" showMasterSp="0" showMasterPhAnim="0">
   <p:cSld>
     <p:spTree>
@@ -3587,112 +3467,6 @@
   <p:cSld>
     <p:spTree>
       <p:nvGrpSpPr>
-        <p:cNvPr id="1" name="Shape 219"/>
-        <p:cNvGrpSpPr/>
-        <p:nvPr/>
-      </p:nvGrpSpPr>
-      <p:grpSpPr>
-        <a:xfrm>
-          <a:off x="0" y="0"/>
-          <a:ext cx="0" cy="0"/>
-          <a:chOff x="0" y="0"/>
-          <a:chExt cx="0" cy="0"/>
-        </a:xfrm>
-      </p:grpSpPr>
-      <p:sp>
-        <p:nvSpPr>
-          <p:cNvPr id="220" name="Shape 220"/>
-          <p:cNvSpPr txBox="1">
-            <a:spLocks noGrp="1"/>
-          </p:cNvSpPr>
-          <p:nvPr>
-            <p:ph type="body" idx="1"/>
-          </p:nvPr>
-        </p:nvSpPr>
-        <p:spPr>
-          <a:xfrm>
-            <a:off x="685800" y="4343400"/>
-            <a:ext cx="5486399" cy="4114800"/>
-          </a:xfrm>
-          <a:prstGeom prst="rect">
-            <a:avLst/>
-          </a:prstGeom>
-        </p:spPr>
-        <p:txBody>
-          <a:bodyPr lIns="91425" tIns="91425" rIns="91425" bIns="91425" anchor="t" anchorCtr="0">
-            <a:noAutofit/>
-          </a:bodyPr>
-          <a:lstStyle/>
-          <a:p>
-            <a:pPr lvl="0">
-              <a:spcBef>
-                <a:spcPts val="0"/>
-              </a:spcBef>
-              <a:buNone/>
-            </a:pPr>
-            <a:endParaRPr/>
-          </a:p>
-        </p:txBody>
-      </p:sp>
-      <p:sp>
-        <p:nvSpPr>
-          <p:cNvPr id="221" name="Shape 221"/>
-          <p:cNvSpPr>
-            <a:spLocks noGrp="1" noRot="1" noChangeAspect="1"/>
-          </p:cNvSpPr>
-          <p:nvPr>
-            <p:ph type="sldImg" idx="2"/>
-          </p:nvPr>
-        </p:nvSpPr>
-        <p:spPr>
-          <a:xfrm>
-            <a:off x="381000" y="685800"/>
-            <a:ext cx="6096000" cy="3429000"/>
-          </a:xfrm>
-          <a:custGeom>
-            <a:avLst/>
-            <a:gdLst/>
-            <a:ahLst/>
-            <a:cxnLst/>
-            <a:rect l="0" t="0" r="0" b="0"/>
-            <a:pathLst>
-              <a:path w="120000" h="120000" extrusionOk="0">
-                <a:moveTo>
-                  <a:pt x="0" y="0"/>
-                </a:moveTo>
-                <a:lnTo>
-                  <a:pt x="120000" y="0"/>
-                </a:lnTo>
-                <a:lnTo>
-                  <a:pt x="120000" y="120000"/>
-                </a:lnTo>
-                <a:lnTo>
-                  <a:pt x="0" y="120000"/>
-                </a:lnTo>
-                <a:close/>
-              </a:path>
-            </a:pathLst>
-          </a:custGeom>
-        </p:spPr>
-      </p:sp>
-    </p:spTree>
-    <p:extLst>
-      <p:ext uri="{BB962C8B-B14F-4D97-AF65-F5344CB8AC3E}">
-        <p14:creationId xmlns:p14="http://schemas.microsoft.com/office/powerpoint/2010/main" val="1149143330"/>
-      </p:ext>
-    </p:extLst>
-  </p:cSld>
-  <p:clrMapOvr>
-    <a:masterClrMapping/>
-  </p:clrMapOvr>
-</p:notes>
-</file>
-
-<file path=ppt/notesSlides/notesSlide5.xml><?xml version="1.0" encoding="utf-8"?>
-<p:notes xmlns:a="http://schemas.openxmlformats.org/drawingml/2006/main" xmlns:r="http://schemas.openxmlformats.org/officeDocument/2006/relationships" xmlns:p="http://schemas.openxmlformats.org/presentationml/2006/main" showMasterSp="0" showMasterPhAnim="0">
-  <p:cSld>
-    <p:spTree>
-      <p:nvGrpSpPr>
         <p:cNvPr id="1" name="Shape 225"/>
         <p:cNvGrpSpPr/>
         <p:nvPr/>
@@ -3789,7 +3563,7 @@
 </p:notes>
 </file>
 
-<file path=ppt/notesSlides/notesSlide6.xml><?xml version="1.0" encoding="utf-8"?>
+<file path=ppt/notesSlides/notesSlide5.xml><?xml version="1.0" encoding="utf-8"?>
 <p:notes xmlns:a="http://schemas.openxmlformats.org/drawingml/2006/main" xmlns:r="http://schemas.openxmlformats.org/officeDocument/2006/relationships" xmlns:p="http://schemas.openxmlformats.org/presentationml/2006/main" showMasterSp="0" showMasterPhAnim="0">
   <p:cSld>
     <p:spTree>
@@ -3890,7 +3664,7 @@
 </p:notes>
 </file>
 
-<file path=ppt/notesSlides/notesSlide7.xml><?xml version="1.0" encoding="utf-8"?>
+<file path=ppt/notesSlides/notesSlide6.xml><?xml version="1.0" encoding="utf-8"?>
 <p:notes xmlns:a="http://schemas.openxmlformats.org/drawingml/2006/main" xmlns:r="http://schemas.openxmlformats.org/officeDocument/2006/relationships" xmlns:p="http://schemas.openxmlformats.org/presentationml/2006/main" showMasterSp="0" showMasterPhAnim="0">
   <p:cSld>
     <p:spTree>
@@ -3991,7 +3765,7 @@
 </p:notes>
 </file>
 
-<file path=ppt/notesSlides/notesSlide8.xml><?xml version="1.0" encoding="utf-8"?>
+<file path=ppt/notesSlides/notesSlide7.xml><?xml version="1.0" encoding="utf-8"?>
 <p:notes xmlns:a="http://schemas.openxmlformats.org/drawingml/2006/main" xmlns:r="http://schemas.openxmlformats.org/officeDocument/2006/relationships" xmlns:p="http://schemas.openxmlformats.org/presentationml/2006/main" showMasterSp="0" showMasterPhAnim="0">
   <p:cSld>
     <p:spTree>
@@ -4092,7 +3866,7 @@
 </p:notes>
 </file>
 
-<file path=ppt/notesSlides/notesSlide9.xml><?xml version="1.0" encoding="utf-8"?>
+<file path=ppt/notesSlides/notesSlide8.xml><?xml version="1.0" encoding="utf-8"?>
 <p:notes xmlns:a="http://schemas.openxmlformats.org/drawingml/2006/main" xmlns:r="http://schemas.openxmlformats.org/officeDocument/2006/relationships" xmlns:p="http://schemas.openxmlformats.org/presentationml/2006/main" showMasterSp="0" showMasterPhAnim="0">
   <p:cSld>
     <p:spTree>
@@ -4147,6 +3921,107 @@
       <p:sp>
         <p:nvSpPr>
           <p:cNvPr id="254" name="Shape 254"/>
+          <p:cNvSpPr>
+            <a:spLocks noGrp="1" noRot="1" noChangeAspect="1"/>
+          </p:cNvSpPr>
+          <p:nvPr>
+            <p:ph type="sldImg" idx="2"/>
+          </p:nvPr>
+        </p:nvSpPr>
+        <p:spPr>
+          <a:xfrm>
+            <a:off x="381000" y="685800"/>
+            <a:ext cx="6096000" cy="3429000"/>
+          </a:xfrm>
+          <a:custGeom>
+            <a:avLst/>
+            <a:gdLst/>
+            <a:ahLst/>
+            <a:cxnLst/>
+            <a:rect l="0" t="0" r="0" b="0"/>
+            <a:pathLst>
+              <a:path w="120000" h="120000" extrusionOk="0">
+                <a:moveTo>
+                  <a:pt x="0" y="0"/>
+                </a:moveTo>
+                <a:lnTo>
+                  <a:pt x="120000" y="0"/>
+                </a:lnTo>
+                <a:lnTo>
+                  <a:pt x="120000" y="120000"/>
+                </a:lnTo>
+                <a:lnTo>
+                  <a:pt x="0" y="120000"/>
+                </a:lnTo>
+                <a:close/>
+              </a:path>
+            </a:pathLst>
+          </a:custGeom>
+        </p:spPr>
+      </p:sp>
+    </p:spTree>
+  </p:cSld>
+  <p:clrMapOvr>
+    <a:masterClrMapping/>
+  </p:clrMapOvr>
+</p:notes>
+</file>
+
+<file path=ppt/notesSlides/notesSlide9.xml><?xml version="1.0" encoding="utf-8"?>
+<p:notes xmlns:a="http://schemas.openxmlformats.org/drawingml/2006/main" xmlns:r="http://schemas.openxmlformats.org/officeDocument/2006/relationships" xmlns:p="http://schemas.openxmlformats.org/presentationml/2006/main" showMasterSp="0" showMasterPhAnim="0">
+  <p:cSld>
+    <p:spTree>
+      <p:nvGrpSpPr>
+        <p:cNvPr id="1" name="Shape 259"/>
+        <p:cNvGrpSpPr/>
+        <p:nvPr/>
+      </p:nvGrpSpPr>
+      <p:grpSpPr>
+        <a:xfrm>
+          <a:off x="0" y="0"/>
+          <a:ext cx="0" cy="0"/>
+          <a:chOff x="0" y="0"/>
+          <a:chExt cx="0" cy="0"/>
+        </a:xfrm>
+      </p:grpSpPr>
+      <p:sp>
+        <p:nvSpPr>
+          <p:cNvPr id="260" name="Shape 260"/>
+          <p:cNvSpPr txBox="1">
+            <a:spLocks noGrp="1"/>
+          </p:cNvSpPr>
+          <p:nvPr>
+            <p:ph type="body" idx="1"/>
+          </p:nvPr>
+        </p:nvSpPr>
+        <p:spPr>
+          <a:xfrm>
+            <a:off x="685800" y="4343400"/>
+            <a:ext cx="5486399" cy="4114800"/>
+          </a:xfrm>
+          <a:prstGeom prst="rect">
+            <a:avLst/>
+          </a:prstGeom>
+        </p:spPr>
+        <p:txBody>
+          <a:bodyPr lIns="91425" tIns="91425" rIns="91425" bIns="91425" anchor="t" anchorCtr="0">
+            <a:noAutofit/>
+          </a:bodyPr>
+          <a:lstStyle/>
+          <a:p>
+            <a:pPr lvl="0">
+              <a:spcBef>
+                <a:spcPts val="0"/>
+              </a:spcBef>
+              <a:buNone/>
+            </a:pPr>
+            <a:endParaRPr/>
+          </a:p>
+        </p:txBody>
+      </p:sp>
+      <p:sp>
+        <p:nvSpPr>
+          <p:cNvPr id="261" name="Shape 261"/>
           <p:cNvSpPr>
             <a:spLocks noGrp="1" noRot="1" noChangeAspect="1"/>
           </p:cNvSpPr>
@@ -32200,240 +32075,6 @@
   <p:cSld>
     <p:spTree>
       <p:nvGrpSpPr>
-        <p:cNvPr id="1" name="Shape 262"/>
-        <p:cNvGrpSpPr/>
-        <p:nvPr/>
-      </p:nvGrpSpPr>
-      <p:grpSpPr>
-        <a:xfrm>
-          <a:off x="0" y="0"/>
-          <a:ext cx="0" cy="0"/>
-          <a:chOff x="0" y="0"/>
-          <a:chExt cx="0" cy="0"/>
-        </a:xfrm>
-      </p:grpSpPr>
-      <p:sp>
-        <p:nvSpPr>
-          <p:cNvPr id="263" name="Shape 263"/>
-          <p:cNvSpPr txBox="1">
-            <a:spLocks noGrp="1"/>
-          </p:cNvSpPr>
-          <p:nvPr>
-            <p:ph type="title"/>
-          </p:nvPr>
-        </p:nvSpPr>
-        <p:spPr>
-          <a:xfrm>
-            <a:off x="507599" y="514350"/>
-            <a:ext cx="8121600" cy="809123"/>
-          </a:xfrm>
-          <a:prstGeom prst="rect">
-            <a:avLst/>
-          </a:prstGeom>
-          <a:noFill/>
-          <a:ln>
-            <a:noFill/>
-          </a:ln>
-        </p:spPr>
-        <p:txBody>
-          <a:bodyPr lIns="0" tIns="0" rIns="0" bIns="0" anchor="t" anchorCtr="0">
-            <a:noAutofit/>
-          </a:bodyPr>
-          <a:lstStyle/>
-          <a:p>
-            <a:pPr marL="0" marR="0" lvl="0" indent="0" algn="l" rtl="0">
-              <a:lnSpc>
-                <a:spcPct val="90000"/>
-              </a:lnSpc>
-              <a:spcBef>
-                <a:spcPts val="0"/>
-              </a:spcBef>
-              <a:buClr>
-                <a:srgbClr val="E91E63"/>
-              </a:buClr>
-              <a:buSzPct val="25000"/>
-              <a:buFont typeface="Roboto Thin"/>
-              <a:buNone/>
-            </a:pPr>
-            <a:r>
-              <a:rPr lang="en-US" sz="3600" b="0" i="0" u="none" strike="noStrike" cap="none">
-                <a:solidFill>
-                  <a:srgbClr val="E91E63"/>
-                </a:solidFill>
-                <a:latin typeface="Roboto Thin"/>
-                <a:ea typeface="Roboto Thin"/>
-                <a:cs typeface="Roboto Thin"/>
-                <a:sym typeface="Roboto Thin"/>
-              </a:rPr>
-              <a:t>Objectives</a:t>
-            </a:r>
-          </a:p>
-        </p:txBody>
-      </p:sp>
-      <p:sp>
-        <p:nvSpPr>
-          <p:cNvPr id="264" name="Shape 264"/>
-          <p:cNvSpPr txBox="1">
-            <a:spLocks noGrp="1"/>
-          </p:cNvSpPr>
-          <p:nvPr>
-            <p:ph type="body" idx="1"/>
-          </p:nvPr>
-        </p:nvSpPr>
-        <p:spPr>
-          <a:xfrm>
-            <a:off x="539949" y="1380116"/>
-            <a:ext cx="8056800" cy="3039483"/>
-          </a:xfrm>
-          <a:prstGeom prst="rect">
-            <a:avLst/>
-          </a:prstGeom>
-          <a:noFill/>
-          <a:ln>
-            <a:noFill/>
-          </a:ln>
-        </p:spPr>
-        <p:txBody>
-          <a:bodyPr lIns="0" tIns="0" rIns="0" bIns="0" anchor="t" anchorCtr="0">
-            <a:noAutofit/>
-          </a:bodyPr>
-          <a:lstStyle/>
-          <a:p>
-            <a:pPr marL="285750" marR="0" lvl="0" indent="-285750" algn="l" rtl="0">
-              <a:lnSpc>
-                <a:spcPct val="150000"/>
-              </a:lnSpc>
-              <a:spcBef>
-                <a:spcPts val="0"/>
-              </a:spcBef>
-              <a:spcAft>
-                <a:spcPts val="0"/>
-              </a:spcAft>
-              <a:buClr>
-                <a:schemeClr val="lt1"/>
-              </a:buClr>
-              <a:buSzPct val="96428"/>
-              <a:buFont typeface="Arial"/>
-              <a:buChar char="•"/>
-            </a:pPr>
-            <a:r>
-              <a:rPr lang="en-US" sz="1350" b="0" i="0" u="none" strike="noStrike" cap="none">
-                <a:solidFill>
-                  <a:schemeClr val="lt1"/>
-                </a:solidFill>
-                <a:latin typeface="Roboto Light"/>
-                <a:ea typeface="Roboto Light"/>
-                <a:cs typeface="Roboto Light"/>
-                <a:sym typeface="Roboto Light"/>
-              </a:rPr>
-              <a:t>CREATE a game using content from the Asset Store</a:t>
-            </a:r>
-          </a:p>
-          <a:p>
-            <a:pPr marL="285750" marR="0" lvl="0" indent="-285750" algn="l" rtl="0">
-              <a:lnSpc>
-                <a:spcPct val="150000"/>
-              </a:lnSpc>
-              <a:spcBef>
-                <a:spcPts val="0"/>
-              </a:spcBef>
-              <a:spcAft>
-                <a:spcPts val="0"/>
-              </a:spcAft>
-              <a:buClr>
-                <a:schemeClr val="lt1"/>
-              </a:buClr>
-              <a:buSzPct val="96428"/>
-              <a:buFont typeface="Arial"/>
-              <a:buChar char="•"/>
-            </a:pPr>
-            <a:r>
-              <a:rPr lang="en-US" sz="1350" b="0" i="0" u="none" strike="noStrike" cap="none">
-                <a:solidFill>
-                  <a:schemeClr val="lt1"/>
-                </a:solidFill>
-                <a:latin typeface="Roboto Light"/>
-                <a:ea typeface="Roboto Light"/>
-                <a:cs typeface="Roboto Light"/>
-                <a:sym typeface="Roboto Light"/>
-              </a:rPr>
-              <a:t>CONSTRUCT a game with integrated VR</a:t>
-            </a:r>
-          </a:p>
-          <a:p>
-            <a:pPr marL="285750" marR="0" lvl="0" indent="-285750" algn="l" rtl="0">
-              <a:lnSpc>
-                <a:spcPct val="150000"/>
-              </a:lnSpc>
-              <a:spcBef>
-                <a:spcPts val="0"/>
-              </a:spcBef>
-              <a:spcAft>
-                <a:spcPts val="0"/>
-              </a:spcAft>
-              <a:buClr>
-                <a:schemeClr val="lt1"/>
-              </a:buClr>
-              <a:buSzPct val="96428"/>
-              <a:buFont typeface="Arial"/>
-              <a:buChar char="•"/>
-            </a:pPr>
-            <a:r>
-              <a:rPr lang="en-US" sz="1350" b="0" i="0" u="none" strike="noStrike" cap="none">
-                <a:solidFill>
-                  <a:schemeClr val="lt1"/>
-                </a:solidFill>
-                <a:latin typeface="Roboto Light"/>
-                <a:ea typeface="Roboto Light"/>
-                <a:cs typeface="Roboto Light"/>
-                <a:sym typeface="Roboto Light"/>
-              </a:rPr>
-              <a:t>DEMONSTRATE how to use the various tools of the Unity Editor</a:t>
-            </a:r>
-          </a:p>
-          <a:p>
-            <a:pPr marL="285750" marR="0" lvl="0" indent="-285750" algn="l" rtl="0">
-              <a:lnSpc>
-                <a:spcPct val="150000"/>
-              </a:lnSpc>
-              <a:spcBef>
-                <a:spcPts val="0"/>
-              </a:spcBef>
-              <a:buClr>
-                <a:schemeClr val="lt1"/>
-              </a:buClr>
-              <a:buSzPct val="96428"/>
-              <a:buFont typeface="Arial"/>
-              <a:buChar char="•"/>
-            </a:pPr>
-            <a:r>
-              <a:rPr lang="en-US" sz="1350" b="0" i="0" u="none" strike="noStrike" cap="none">
-                <a:solidFill>
-                  <a:schemeClr val="lt1"/>
-                </a:solidFill>
-                <a:latin typeface="Roboto Light"/>
-                <a:ea typeface="Roboto Light"/>
-                <a:cs typeface="Roboto Light"/>
-                <a:sym typeface="Roboto Light"/>
-              </a:rPr>
-              <a:t>IDENTIFY good design practices when building for VR</a:t>
-            </a:r>
-          </a:p>
-        </p:txBody>
-      </p:sp>
-    </p:spTree>
-  </p:cSld>
-  <p:clrMapOvr>
-    <a:masterClrMapping/>
-  </p:clrMapOvr>
-</p:sld>
-</file>
-
-<file path=ppt/slides/slide11.xml><?xml version="1.0" encoding="utf-8"?>
-<p:sld xmlns:a="http://schemas.openxmlformats.org/drawingml/2006/main" xmlns:r="http://schemas.openxmlformats.org/officeDocument/2006/relationships" xmlns:p="http://schemas.openxmlformats.org/presentationml/2006/main">
-  <p:cSld>
-    <p:spTree>
-      <p:nvGrpSpPr>
         <p:cNvPr id="1" name="Shape 273"/>
         <p:cNvGrpSpPr/>
         <p:nvPr/>
@@ -32997,7 +32638,7 @@
 </p:sld>
 </file>
 
-<file path=ppt/slides/slide12.xml><?xml version="1.0" encoding="utf-8"?>
+<file path=ppt/slides/slide11.xml><?xml version="1.0" encoding="utf-8"?>
 <p:sld xmlns:a="http://schemas.openxmlformats.org/drawingml/2006/main" xmlns:r="http://schemas.openxmlformats.org/officeDocument/2006/relationships" xmlns:p="http://schemas.openxmlformats.org/presentationml/2006/main">
   <p:cSld>
     <p:spTree>
@@ -33403,7 +33044,7 @@
 </p:sld>
 </file>
 
-<file path=ppt/slides/slide13.xml><?xml version="1.0" encoding="utf-8"?>
+<file path=ppt/slides/slide12.xml><?xml version="1.0" encoding="utf-8"?>
 <p:sld xmlns:a="http://schemas.openxmlformats.org/drawingml/2006/main" xmlns:r="http://schemas.openxmlformats.org/officeDocument/2006/relationships" xmlns:p="http://schemas.openxmlformats.org/presentationml/2006/main">
   <p:cSld>
     <p:spTree>
@@ -33730,7 +33371,7 @@
 </p:sld>
 </file>
 
-<file path=ppt/slides/slide14.xml><?xml version="1.0" encoding="utf-8"?>
+<file path=ppt/slides/slide13.xml><?xml version="1.0" encoding="utf-8"?>
 <p:sld xmlns:a="http://schemas.openxmlformats.org/drawingml/2006/main" xmlns:r="http://schemas.openxmlformats.org/officeDocument/2006/relationships" xmlns:p="http://schemas.openxmlformats.org/presentationml/2006/main">
   <p:cSld>
     <p:spTree>
@@ -34139,7 +33780,7 @@
 </p:sld>
 </file>
 
-<file path=ppt/slides/slide15.xml><?xml version="1.0" encoding="utf-8"?>
+<file path=ppt/slides/slide14.xml><?xml version="1.0" encoding="utf-8"?>
 <p:sld xmlns:a="http://schemas.openxmlformats.org/drawingml/2006/main" xmlns:r="http://schemas.openxmlformats.org/officeDocument/2006/relationships" xmlns:p="http://schemas.openxmlformats.org/presentationml/2006/main">
   <p:cSld>
     <p:spTree>
@@ -34720,7 +34361,7 @@
 </p:sld>
 </file>
 
-<file path=ppt/slides/slide16.xml><?xml version="1.0" encoding="utf-8"?>
+<file path=ppt/slides/slide15.xml><?xml version="1.0" encoding="utf-8"?>
 <p:sld xmlns:a="http://schemas.openxmlformats.org/drawingml/2006/main" xmlns:r="http://schemas.openxmlformats.org/officeDocument/2006/relationships" xmlns:p="http://schemas.openxmlformats.org/presentationml/2006/main">
   <p:cSld>
     <p:spTree>
@@ -35372,7 +35013,7 @@
 </p:sld>
 </file>
 
-<file path=ppt/slides/slide17.xml><?xml version="1.0" encoding="utf-8"?>
+<file path=ppt/slides/slide16.xml><?xml version="1.0" encoding="utf-8"?>
 <p:sld xmlns:a="http://schemas.openxmlformats.org/drawingml/2006/main" xmlns:r="http://schemas.openxmlformats.org/officeDocument/2006/relationships" xmlns:p="http://schemas.openxmlformats.org/presentationml/2006/main">
   <p:cSld>
     <p:spTree>
@@ -35883,7 +35524,7 @@
 </p:sld>
 </file>
 
-<file path=ppt/slides/slide18.xml><?xml version="1.0" encoding="utf-8"?>
+<file path=ppt/slides/slide17.xml><?xml version="1.0" encoding="utf-8"?>
 <p:sld xmlns:a="http://schemas.openxmlformats.org/drawingml/2006/main" xmlns:r="http://schemas.openxmlformats.org/officeDocument/2006/relationships" xmlns:p="http://schemas.openxmlformats.org/presentationml/2006/main">
   <p:cSld>
     <p:spTree>
@@ -36452,7 +36093,7 @@
 </p:sld>
 </file>
 
-<file path=ppt/slides/slide19.xml><?xml version="1.0" encoding="utf-8"?>
+<file path=ppt/slides/slide18.xml><?xml version="1.0" encoding="utf-8"?>
 <p:sld xmlns:a="http://schemas.openxmlformats.org/drawingml/2006/main" xmlns:r="http://schemas.openxmlformats.org/officeDocument/2006/relationships" xmlns:p="http://schemas.openxmlformats.org/presentationml/2006/main">
   <p:cSld>
     <p:spTree>
@@ -37224,90 +36865,7 @@
 </p:sld>
 </file>
 
-<file path=ppt/slides/slide2.xml><?xml version="1.0" encoding="utf-8"?>
-<p:sld xmlns:a="http://schemas.openxmlformats.org/drawingml/2006/main" xmlns:r="http://schemas.openxmlformats.org/officeDocument/2006/relationships" xmlns:p="http://schemas.openxmlformats.org/presentationml/2006/main">
-  <p:cSld>
-    <p:spTree>
-      <p:nvGrpSpPr>
-        <p:cNvPr id="1" name="Shape 268"/>
-        <p:cNvGrpSpPr/>
-        <p:nvPr/>
-      </p:nvGrpSpPr>
-      <p:grpSpPr>
-        <a:xfrm>
-          <a:off x="0" y="0"/>
-          <a:ext cx="0" cy="0"/>
-          <a:chOff x="0" y="0"/>
-          <a:chExt cx="0" cy="0"/>
-        </a:xfrm>
-      </p:grpSpPr>
-      <p:sp>
-        <p:nvSpPr>
-          <p:cNvPr id="269" name="Shape 269"/>
-          <p:cNvSpPr txBox="1">
-            <a:spLocks noGrp="1"/>
-          </p:cNvSpPr>
-          <p:nvPr>
-            <p:ph type="title"/>
-          </p:nvPr>
-        </p:nvSpPr>
-        <p:spPr>
-          <a:xfrm>
-            <a:off x="659625" y="1615687"/>
-            <a:ext cx="7824751" cy="1912124"/>
-          </a:xfrm>
-          <a:prstGeom prst="rect">
-            <a:avLst/>
-          </a:prstGeom>
-          <a:noFill/>
-          <a:ln>
-            <a:noFill/>
-          </a:ln>
-        </p:spPr>
-        <p:txBody>
-          <a:bodyPr lIns="0" tIns="0" rIns="0" bIns="0" anchor="ctr" anchorCtr="0">
-            <a:noAutofit/>
-          </a:bodyPr>
-          <a:lstStyle/>
-          <a:p>
-            <a:pPr marL="0" marR="0" lvl="0" indent="0" algn="ctr" rtl="0">
-              <a:lnSpc>
-                <a:spcPct val="90000"/>
-              </a:lnSpc>
-              <a:spcBef>
-                <a:spcPts val="0"/>
-              </a:spcBef>
-              <a:buClr>
-                <a:srgbClr val="009688"/>
-              </a:buClr>
-              <a:buSzPct val="25000"/>
-              <a:buFont typeface="Roboto Thin"/>
-              <a:buNone/>
-            </a:pPr>
-            <a:r>
-              <a:rPr lang="en-US" sz="3600" b="0" i="0" u="none" strike="noStrike" cap="none">
-                <a:solidFill>
-                  <a:srgbClr val="009688"/>
-                </a:solidFill>
-                <a:latin typeface="Roboto Thin"/>
-                <a:ea typeface="Roboto Thin"/>
-                <a:cs typeface="Roboto Thin"/>
-                <a:sym typeface="Roboto Thin"/>
-              </a:rPr>
-              <a:t>About Me</a:t>
-            </a:r>
-          </a:p>
-        </p:txBody>
-      </p:sp>
-    </p:spTree>
-  </p:cSld>
-  <p:clrMapOvr>
-    <a:masterClrMapping/>
-  </p:clrMapOvr>
-</p:sld>
-</file>
-
-<file path=ppt/slides/slide20.xml><?xml version="1.0" encoding="utf-8"?>
+<file path=ppt/slides/slide19.xml><?xml version="1.0" encoding="utf-8"?>
 <p:sld xmlns:a="http://schemas.openxmlformats.org/drawingml/2006/main" xmlns:r="http://schemas.openxmlformats.org/officeDocument/2006/relationships" xmlns:p="http://schemas.openxmlformats.org/presentationml/2006/main">
   <p:cSld>
     <p:spTree>
@@ -37868,7 +37426,193 @@
 </p:sld>
 </file>
 
-<file path=ppt/slides/slide21.xml><?xml version="1.0" encoding="utf-8"?>
+<file path=ppt/slides/slide2.xml><?xml version="1.0" encoding="utf-8"?>
+<p:sld xmlns:a="http://schemas.openxmlformats.org/drawingml/2006/main" xmlns:r="http://schemas.openxmlformats.org/officeDocument/2006/relationships" xmlns:p="http://schemas.openxmlformats.org/presentationml/2006/main">
+  <p:cSld>
+    <p:spTree>
+      <p:nvGrpSpPr>
+        <p:cNvPr id="1" name="Shape 222"/>
+        <p:cNvGrpSpPr/>
+        <p:nvPr/>
+      </p:nvGrpSpPr>
+      <p:grpSpPr>
+        <a:xfrm>
+          <a:off x="0" y="0"/>
+          <a:ext cx="0" cy="0"/>
+          <a:chOff x="0" y="0"/>
+          <a:chExt cx="0" cy="0"/>
+        </a:xfrm>
+      </p:grpSpPr>
+      <p:sp>
+        <p:nvSpPr>
+          <p:cNvPr id="223" name="Shape 223"/>
+          <p:cNvSpPr txBox="1">
+            <a:spLocks noGrp="1"/>
+          </p:cNvSpPr>
+          <p:nvPr>
+            <p:ph type="title"/>
+          </p:nvPr>
+        </p:nvSpPr>
+        <p:spPr>
+          <a:xfrm>
+            <a:off x="671495" y="678079"/>
+            <a:ext cx="7824751" cy="1481983"/>
+          </a:xfrm>
+          <a:prstGeom prst="rect">
+            <a:avLst/>
+          </a:prstGeom>
+          <a:noFill/>
+          <a:ln>
+            <a:noFill/>
+          </a:ln>
+        </p:spPr>
+        <p:txBody>
+          <a:bodyPr lIns="0" tIns="0" rIns="0" bIns="0" anchor="ctr" anchorCtr="0">
+            <a:noAutofit/>
+          </a:bodyPr>
+          <a:lstStyle/>
+          <a:p>
+            <a:pPr marL="0" marR="0" lvl="0" indent="0" algn="ctr" rtl="0">
+              <a:lnSpc>
+                <a:spcPct val="90000"/>
+              </a:lnSpc>
+              <a:spcBef>
+                <a:spcPts val="0"/>
+              </a:spcBef>
+              <a:buClr>
+                <a:srgbClr val="009688"/>
+              </a:buClr>
+              <a:buSzPct val="25000"/>
+              <a:buFont typeface="Roboto Thin"/>
+              <a:buNone/>
+            </a:pPr>
+            <a:r>
+              <a:rPr lang="en-US" sz="3600" b="0" i="0" u="none" strike="noStrike" cap="none" dirty="0">
+                <a:solidFill>
+                  <a:srgbClr val="009688"/>
+                </a:solidFill>
+                <a:latin typeface="Roboto Thin"/>
+                <a:ea typeface="Roboto Thin"/>
+                <a:cs typeface="Roboto Thin"/>
+                <a:sym typeface="Roboto Thin"/>
+              </a:rPr>
+              <a:t>Viking Quest VR</a:t>
+            </a:r>
+          </a:p>
+        </p:txBody>
+      </p:sp>
+      <p:sp>
+        <p:nvSpPr>
+          <p:cNvPr id="224" name="Shape 224"/>
+          <p:cNvSpPr txBox="1"/>
+          <p:nvPr/>
+        </p:nvSpPr>
+        <p:spPr>
+          <a:xfrm>
+            <a:off x="1408050" y="2101359"/>
+            <a:ext cx="6773424" cy="1827745"/>
+          </a:xfrm>
+          <a:prstGeom prst="rect">
+            <a:avLst/>
+          </a:prstGeom>
+          <a:noFill/>
+          <a:ln>
+            <a:noFill/>
+          </a:ln>
+        </p:spPr>
+        <p:txBody>
+          <a:bodyPr lIns="0" tIns="0" rIns="0" bIns="0" anchor="t" anchorCtr="0">
+            <a:noAutofit/>
+          </a:bodyPr>
+          <a:lstStyle/>
+          <a:p>
+            <a:pPr marL="0" marR="0" lvl="0" indent="0" algn="ctr" rtl="0">
+              <a:lnSpc>
+                <a:spcPct val="150000"/>
+              </a:lnSpc>
+              <a:spcBef>
+                <a:spcPts val="0"/>
+              </a:spcBef>
+              <a:buSzPct val="25000"/>
+              <a:buNone/>
+            </a:pPr>
+            <a:r>
+              <a:rPr lang="en-US" sz="2400" b="0" i="0" u="none" strike="noStrike" cap="none" dirty="0">
+                <a:solidFill>
+                  <a:schemeClr val="lt1"/>
+                </a:solidFill>
+                <a:latin typeface="Roboto Light"/>
+                <a:ea typeface="Roboto Light"/>
+                <a:cs typeface="Roboto Light"/>
+                <a:sym typeface="Roboto Light"/>
+              </a:rPr>
+              <a:t>Get The Assets:</a:t>
+            </a:r>
+          </a:p>
+          <a:p>
+            <a:pPr lvl="0" algn="ctr">
+              <a:lnSpc>
+                <a:spcPct val="150000"/>
+              </a:lnSpc>
+              <a:buSzPct val="25000"/>
+            </a:pPr>
+            <a:r>
+              <a:rPr lang="en-US" sz="4000" dirty="0" err="1" smtClean="0">
+                <a:solidFill>
+                  <a:schemeClr val="lt1"/>
+                </a:solidFill>
+                <a:latin typeface="Consolas"/>
+                <a:ea typeface="Consolas"/>
+                <a:cs typeface="Consolas"/>
+                <a:sym typeface="Consolas"/>
+              </a:rPr>
+              <a:t>bit.ly</a:t>
+            </a:r>
+            <a:r>
+              <a:rPr lang="en-US" sz="4000" dirty="0" smtClean="0">
+                <a:solidFill>
+                  <a:schemeClr val="lt1"/>
+                </a:solidFill>
+                <a:latin typeface="Consolas"/>
+                <a:ea typeface="Consolas"/>
+                <a:cs typeface="Consolas"/>
+                <a:sym typeface="Consolas"/>
+              </a:rPr>
+              <a:t>/</a:t>
+            </a:r>
+            <a:r>
+              <a:rPr lang="en-US" sz="4000" dirty="0" err="1" smtClean="0">
+                <a:solidFill>
+                  <a:schemeClr val="lt1"/>
+                </a:solidFill>
+                <a:latin typeface="Consolas"/>
+                <a:ea typeface="Consolas"/>
+                <a:cs typeface="Consolas"/>
+                <a:sym typeface="Consolas"/>
+              </a:rPr>
+              <a:t>UnityRSNYC</a:t>
+            </a:r>
+            <a:endParaRPr lang="en-US" sz="4000" dirty="0" smtClean="0">
+              <a:solidFill>
+                <a:schemeClr val="lt1"/>
+              </a:solidFill>
+              <a:latin typeface="Consolas"/>
+              <a:ea typeface="Consolas"/>
+              <a:cs typeface="Consolas"/>
+              <a:sym typeface="Consolas"/>
+            </a:endParaRPr>
+          </a:p>
+        </p:txBody>
+      </p:sp>
+    </p:spTree>
+  </p:cSld>
+  <p:clrMapOvr>
+    <a:masterClrMapping/>
+  </p:clrMapOvr>
+</p:sld>
+</file>
+
+<file path=ppt/slides/slide20.xml><?xml version="1.0" encoding="utf-8"?>
 <p:sld xmlns:a="http://schemas.openxmlformats.org/drawingml/2006/main" xmlns:r="http://schemas.openxmlformats.org/officeDocument/2006/relationships" xmlns:p="http://schemas.openxmlformats.org/presentationml/2006/main">
   <p:cSld>
     <p:spTree>
@@ -38398,7 +38142,7 @@
 </p:sld>
 </file>
 
-<file path=ppt/slides/slide22.xml><?xml version="1.0" encoding="utf-8"?>
+<file path=ppt/slides/slide21.xml><?xml version="1.0" encoding="utf-8"?>
 <p:sld xmlns:a="http://schemas.openxmlformats.org/drawingml/2006/main" xmlns:r="http://schemas.openxmlformats.org/officeDocument/2006/relationships" xmlns:p="http://schemas.openxmlformats.org/presentationml/2006/main">
   <p:cSld>
     <p:spTree>
@@ -38780,7 +38524,7 @@
 </p:sld>
 </file>
 
-<file path=ppt/slides/slide23.xml><?xml version="1.0" encoding="utf-8"?>
+<file path=ppt/slides/slide22.xml><?xml version="1.0" encoding="utf-8"?>
 <p:sld xmlns:a="http://schemas.openxmlformats.org/drawingml/2006/main" xmlns:r="http://schemas.openxmlformats.org/officeDocument/2006/relationships" xmlns:p="http://schemas.openxmlformats.org/presentationml/2006/main">
   <p:cSld>
     <p:spTree>
@@ -39328,7 +39072,7 @@
 </p:sld>
 </file>
 
-<file path=ppt/slides/slide24.xml><?xml version="1.0" encoding="utf-8"?>
+<file path=ppt/slides/slide23.xml><?xml version="1.0" encoding="utf-8"?>
 <p:sld xmlns:a="http://schemas.openxmlformats.org/drawingml/2006/main" xmlns:r="http://schemas.openxmlformats.org/officeDocument/2006/relationships" xmlns:p="http://schemas.openxmlformats.org/presentationml/2006/main">
   <p:cSld>
     <p:spTree>
@@ -40049,7 +39793,7 @@
 </p:sld>
 </file>
 
-<file path=ppt/slides/slide25.xml><?xml version="1.0" encoding="utf-8"?>
+<file path=ppt/slides/slide24.xml><?xml version="1.0" encoding="utf-8"?>
 <p:sld xmlns:a="http://schemas.openxmlformats.org/drawingml/2006/main" xmlns:r="http://schemas.openxmlformats.org/officeDocument/2006/relationships" xmlns:p="http://schemas.openxmlformats.org/presentationml/2006/main">
   <p:cSld>
     <p:spTree>
@@ -40520,7 +40264,7 @@
 </p:sld>
 </file>
 
-<file path=ppt/slides/slide26.xml><?xml version="1.0" encoding="utf-8"?>
+<file path=ppt/slides/slide25.xml><?xml version="1.0" encoding="utf-8"?>
 <p:sld xmlns:a="http://schemas.openxmlformats.org/drawingml/2006/main" xmlns:r="http://schemas.openxmlformats.org/officeDocument/2006/relationships" xmlns:p="http://schemas.openxmlformats.org/presentationml/2006/main">
   <p:cSld>
     <p:spTree>
@@ -40814,7 +40558,7 @@
 </p:sld>
 </file>
 
-<file path=ppt/slides/slide27.xml><?xml version="1.0" encoding="utf-8"?>
+<file path=ppt/slides/slide26.xml><?xml version="1.0" encoding="utf-8"?>
 <p:sld xmlns:a="http://schemas.openxmlformats.org/drawingml/2006/main" xmlns:r="http://schemas.openxmlformats.org/officeDocument/2006/relationships" xmlns:p="http://schemas.openxmlformats.org/presentationml/2006/main">
   <p:cSld>
     <p:spTree>
@@ -40897,7 +40641,7 @@
 </p:sld>
 </file>
 
-<file path=ppt/slides/slide28.xml><?xml version="1.0" encoding="utf-8"?>
+<file path=ppt/slides/slide27.xml><?xml version="1.0" encoding="utf-8"?>
 <p:sld xmlns:a="http://schemas.openxmlformats.org/drawingml/2006/main" xmlns:r="http://schemas.openxmlformats.org/officeDocument/2006/relationships" xmlns:p="http://schemas.openxmlformats.org/presentationml/2006/main">
   <p:cSld>
     <p:spTree>
@@ -41220,7 +40964,7 @@
 </p:sld>
 </file>
 
-<file path=ppt/slides/slide29.xml><?xml version="1.0" encoding="utf-8"?>
+<file path=ppt/slides/slide28.xml><?xml version="1.0" encoding="utf-8"?>
 <p:sld xmlns:a="http://schemas.openxmlformats.org/drawingml/2006/main" xmlns:r="http://schemas.openxmlformats.org/officeDocument/2006/relationships" xmlns:p="http://schemas.openxmlformats.org/presentationml/2006/main">
   <p:cSld>
     <p:spTree>
@@ -41439,249 +41183,7 @@
 </p:sld>
 </file>
 
-<file path=ppt/slides/slide3.xml><?xml version="1.0" encoding="utf-8"?>
-<p:sld xmlns:a="http://schemas.openxmlformats.org/drawingml/2006/main" xmlns:r="http://schemas.openxmlformats.org/officeDocument/2006/relationships" xmlns:p="http://schemas.openxmlformats.org/presentationml/2006/main">
-  <p:cSld>
-    <p:spTree>
-      <p:nvGrpSpPr>
-        <p:cNvPr id="1" name="Shape 222"/>
-        <p:cNvGrpSpPr/>
-        <p:nvPr/>
-      </p:nvGrpSpPr>
-      <p:grpSpPr>
-        <a:xfrm>
-          <a:off x="0" y="0"/>
-          <a:ext cx="0" cy="0"/>
-          <a:chOff x="0" y="0"/>
-          <a:chExt cx="0" cy="0"/>
-        </a:xfrm>
-      </p:grpSpPr>
-      <p:sp>
-        <p:nvSpPr>
-          <p:cNvPr id="223" name="Shape 223"/>
-          <p:cNvSpPr txBox="1">
-            <a:spLocks noGrp="1"/>
-          </p:cNvSpPr>
-          <p:nvPr>
-            <p:ph type="title"/>
-          </p:nvPr>
-        </p:nvSpPr>
-        <p:spPr>
-          <a:xfrm>
-            <a:off x="671495" y="678079"/>
-            <a:ext cx="7824751" cy="1481983"/>
-          </a:xfrm>
-          <a:prstGeom prst="rect">
-            <a:avLst/>
-          </a:prstGeom>
-          <a:noFill/>
-          <a:ln>
-            <a:noFill/>
-          </a:ln>
-        </p:spPr>
-        <p:txBody>
-          <a:bodyPr lIns="0" tIns="0" rIns="0" bIns="0" anchor="ctr" anchorCtr="0">
-            <a:noAutofit/>
-          </a:bodyPr>
-          <a:lstStyle/>
-          <a:p>
-            <a:pPr marL="0" marR="0" lvl="0" indent="0" algn="ctr" rtl="0">
-              <a:lnSpc>
-                <a:spcPct val="90000"/>
-              </a:lnSpc>
-              <a:spcBef>
-                <a:spcPts val="0"/>
-              </a:spcBef>
-              <a:buClr>
-                <a:srgbClr val="009688"/>
-              </a:buClr>
-              <a:buSzPct val="25000"/>
-              <a:buFont typeface="Roboto Thin"/>
-              <a:buNone/>
-            </a:pPr>
-            <a:r>
-              <a:rPr lang="en-US" sz="3600" b="0" i="0" u="none" strike="noStrike" cap="none" dirty="0">
-                <a:solidFill>
-                  <a:srgbClr val="009688"/>
-                </a:solidFill>
-                <a:latin typeface="Roboto Thin"/>
-                <a:ea typeface="Roboto Thin"/>
-                <a:cs typeface="Roboto Thin"/>
-                <a:sym typeface="Roboto Thin"/>
-              </a:rPr>
-              <a:t>Viking Quest VR</a:t>
-            </a:r>
-          </a:p>
-        </p:txBody>
-      </p:sp>
-      <p:sp>
-        <p:nvSpPr>
-          <p:cNvPr id="224" name="Shape 224"/>
-          <p:cNvSpPr txBox="1"/>
-          <p:nvPr/>
-        </p:nvSpPr>
-        <p:spPr>
-          <a:xfrm>
-            <a:off x="1408050" y="2101359"/>
-            <a:ext cx="6773424" cy="1827745"/>
-          </a:xfrm>
-          <a:prstGeom prst="rect">
-            <a:avLst/>
-          </a:prstGeom>
-          <a:noFill/>
-          <a:ln>
-            <a:noFill/>
-          </a:ln>
-        </p:spPr>
-        <p:txBody>
-          <a:bodyPr lIns="0" tIns="0" rIns="0" bIns="0" anchor="t" anchorCtr="0">
-            <a:noAutofit/>
-          </a:bodyPr>
-          <a:lstStyle/>
-          <a:p>
-            <a:pPr marL="0" marR="0" lvl="0" indent="0" algn="ctr" rtl="0">
-              <a:lnSpc>
-                <a:spcPct val="150000"/>
-              </a:lnSpc>
-              <a:spcBef>
-                <a:spcPts val="0"/>
-              </a:spcBef>
-              <a:buSzPct val="25000"/>
-              <a:buNone/>
-            </a:pPr>
-            <a:r>
-              <a:rPr lang="en-US" sz="2400" b="0" i="0" u="none" strike="noStrike" cap="none" dirty="0">
-                <a:solidFill>
-                  <a:schemeClr val="lt1"/>
-                </a:solidFill>
-                <a:latin typeface="Roboto Light"/>
-                <a:ea typeface="Roboto Light"/>
-                <a:cs typeface="Roboto Light"/>
-                <a:sym typeface="Roboto Light"/>
-              </a:rPr>
-              <a:t>Get The Assets:</a:t>
-            </a:r>
-          </a:p>
-          <a:p>
-            <a:pPr lvl="0" algn="ctr">
-              <a:lnSpc>
-                <a:spcPct val="150000"/>
-              </a:lnSpc>
-              <a:buSzPct val="25000"/>
-            </a:pPr>
-            <a:r>
-              <a:rPr lang="en-US" sz="4000" dirty="0" smtClean="0">
-                <a:solidFill>
-                  <a:schemeClr val="lt1"/>
-                </a:solidFill>
-                <a:latin typeface="Consolas"/>
-                <a:ea typeface="Consolas"/>
-                <a:cs typeface="Consolas"/>
-                <a:sym typeface="Consolas"/>
-              </a:rPr>
-              <a:t>bit.ly/</a:t>
-            </a:r>
-            <a:r>
-              <a:rPr lang="en-US" sz="4000" dirty="0" err="1" smtClean="0">
-                <a:solidFill>
-                  <a:schemeClr val="lt1"/>
-                </a:solidFill>
-                <a:latin typeface="Consolas"/>
-                <a:ea typeface="Consolas"/>
-                <a:cs typeface="Consolas"/>
-                <a:sym typeface="Consolas"/>
-              </a:rPr>
-              <a:t>UnityRSNYC</a:t>
-            </a:r>
-            <a:endParaRPr lang="en-US" sz="4000" dirty="0" smtClean="0">
-              <a:solidFill>
-                <a:schemeClr val="lt1"/>
-              </a:solidFill>
-              <a:latin typeface="Consolas"/>
-              <a:ea typeface="Consolas"/>
-              <a:cs typeface="Consolas"/>
-              <a:sym typeface="Consolas"/>
-            </a:endParaRPr>
-          </a:p>
-          <a:p>
-            <a:pPr lvl="0" algn="ctr">
-              <a:lnSpc>
-                <a:spcPct val="150000"/>
-              </a:lnSpc>
-              <a:buSzPct val="25000"/>
-            </a:pPr>
-            <a:r>
-              <a:rPr lang="en-US" sz="1350" dirty="0" smtClean="0">
-                <a:solidFill>
-                  <a:schemeClr val="lt1"/>
-                </a:solidFill>
-                <a:latin typeface="Roboto Light"/>
-                <a:ea typeface="Roboto Light"/>
-                <a:cs typeface="Roboto Light"/>
-                <a:sym typeface="Roboto Light"/>
-              </a:rPr>
-              <a:t>Dan </a:t>
-            </a:r>
-            <a:r>
-              <a:rPr lang="en-US" sz="1350" dirty="0">
-                <a:solidFill>
-                  <a:schemeClr val="lt1"/>
-                </a:solidFill>
-                <a:latin typeface="Roboto Light"/>
-                <a:ea typeface="Roboto Light"/>
-                <a:cs typeface="Roboto Light"/>
-                <a:sym typeface="Roboto Light"/>
-              </a:rPr>
-              <a:t>Miller</a:t>
-            </a:r>
-            <a:r>
-              <a:rPr lang="en-US" sz="1350" b="0" i="0" u="none" strike="noStrike" cap="none" dirty="0">
-                <a:solidFill>
-                  <a:schemeClr val="lt1"/>
-                </a:solidFill>
-                <a:latin typeface="Roboto Light"/>
-                <a:ea typeface="Roboto Light"/>
-                <a:cs typeface="Roboto Light"/>
-                <a:sym typeface="Roboto Light"/>
-              </a:rPr>
-              <a:t> – </a:t>
-            </a:r>
-            <a:r>
-              <a:rPr lang="en-US" sz="1350" dirty="0">
-                <a:solidFill>
-                  <a:schemeClr val="lt1"/>
-                </a:solidFill>
-                <a:latin typeface="Roboto Light"/>
-                <a:ea typeface="Roboto Light"/>
-                <a:cs typeface="Roboto Light"/>
-                <a:sym typeface="Roboto Light"/>
-              </a:rPr>
-              <a:t>danielmi</a:t>
-            </a:r>
-            <a:r>
-              <a:rPr lang="en-US" sz="1350" b="0" i="0" u="none" strike="noStrike" cap="none" dirty="0">
-                <a:solidFill>
-                  <a:schemeClr val="lt1"/>
-                </a:solidFill>
-                <a:latin typeface="Roboto Light"/>
-                <a:ea typeface="Roboto Light"/>
-                <a:cs typeface="Roboto Light"/>
-                <a:sym typeface="Roboto Light"/>
-              </a:rPr>
-              <a:t>@Unity3d.com</a:t>
-            </a:r>
-          </a:p>
-        </p:txBody>
-      </p:sp>
-    </p:spTree>
-  </p:cSld>
-  <p:clrMapOvr>
-    <a:masterClrMapping/>
-  </p:clrMapOvr>
-</p:sld>
-</file>
-
-<file path=ppt/slides/slide30.xml><?xml version="1.0" encoding="utf-8"?>
+<file path=ppt/slides/slide29.xml><?xml version="1.0" encoding="utf-8"?>
 <p:sld xmlns:a="http://schemas.openxmlformats.org/drawingml/2006/main" xmlns:r="http://schemas.openxmlformats.org/officeDocument/2006/relationships" xmlns:p="http://schemas.openxmlformats.org/presentationml/2006/main">
   <p:cSld>
     <p:spTree>
@@ -41865,7 +41367,198 @@
 </p:sld>
 </file>
 
-<file path=ppt/slides/slide31.xml><?xml version="1.0" encoding="utf-8"?>
+<file path=ppt/slides/slide3.xml><?xml version="1.0" encoding="utf-8"?>
+<p:sld xmlns:a="http://schemas.openxmlformats.org/drawingml/2006/main" xmlns:r="http://schemas.openxmlformats.org/officeDocument/2006/relationships" xmlns:p="http://schemas.openxmlformats.org/presentationml/2006/main">
+  <p:cSld>
+    <p:spTree>
+      <p:nvGrpSpPr>
+        <p:cNvPr id="1" name="Shape 222"/>
+        <p:cNvGrpSpPr/>
+        <p:nvPr/>
+      </p:nvGrpSpPr>
+      <p:grpSpPr>
+        <a:xfrm>
+          <a:off x="0" y="0"/>
+          <a:ext cx="0" cy="0"/>
+          <a:chOff x="0" y="0"/>
+          <a:chExt cx="0" cy="0"/>
+        </a:xfrm>
+      </p:grpSpPr>
+      <p:sp>
+        <p:nvSpPr>
+          <p:cNvPr id="223" name="Shape 223"/>
+          <p:cNvSpPr txBox="1">
+            <a:spLocks noGrp="1"/>
+          </p:cNvSpPr>
+          <p:nvPr>
+            <p:ph type="title"/>
+          </p:nvPr>
+        </p:nvSpPr>
+        <p:spPr>
+          <a:xfrm>
+            <a:off x="671495" y="678079"/>
+            <a:ext cx="7824751" cy="1481983"/>
+          </a:xfrm>
+          <a:prstGeom prst="rect">
+            <a:avLst/>
+          </a:prstGeom>
+          <a:noFill/>
+          <a:ln>
+            <a:noFill/>
+          </a:ln>
+        </p:spPr>
+        <p:txBody>
+          <a:bodyPr lIns="0" tIns="0" rIns="0" bIns="0" anchor="ctr" anchorCtr="0">
+            <a:noAutofit/>
+          </a:bodyPr>
+          <a:lstStyle/>
+          <a:p>
+            <a:pPr marL="0" marR="0" lvl="0" indent="0" algn="ctr" rtl="0">
+              <a:lnSpc>
+                <a:spcPct val="90000"/>
+              </a:lnSpc>
+              <a:spcBef>
+                <a:spcPts val="0"/>
+              </a:spcBef>
+              <a:buClr>
+                <a:srgbClr val="009688"/>
+              </a:buClr>
+              <a:buSzPct val="25000"/>
+              <a:buFont typeface="Roboto Thin"/>
+              <a:buNone/>
+            </a:pPr>
+            <a:r>
+              <a:rPr lang="en-US" sz="3600" b="0" i="0" u="none" strike="noStrike" cap="none" dirty="0">
+                <a:solidFill>
+                  <a:srgbClr val="009688"/>
+                </a:solidFill>
+                <a:latin typeface="Roboto Thin"/>
+                <a:ea typeface="Roboto Thin"/>
+                <a:cs typeface="Roboto Thin"/>
+                <a:sym typeface="Roboto Thin"/>
+              </a:rPr>
+              <a:t>Viking Quest VR</a:t>
+            </a:r>
+          </a:p>
+        </p:txBody>
+      </p:sp>
+      <p:sp>
+        <p:nvSpPr>
+          <p:cNvPr id="224" name="Shape 224"/>
+          <p:cNvSpPr txBox="1"/>
+          <p:nvPr/>
+        </p:nvSpPr>
+        <p:spPr>
+          <a:xfrm>
+            <a:off x="1408050" y="2101359"/>
+            <a:ext cx="6773424" cy="1827745"/>
+          </a:xfrm>
+          <a:prstGeom prst="rect">
+            <a:avLst/>
+          </a:prstGeom>
+          <a:noFill/>
+          <a:ln>
+            <a:noFill/>
+          </a:ln>
+        </p:spPr>
+        <p:txBody>
+          <a:bodyPr lIns="0" tIns="0" rIns="0" bIns="0" anchor="t" anchorCtr="0">
+            <a:noAutofit/>
+          </a:bodyPr>
+          <a:lstStyle/>
+          <a:p>
+            <a:pPr marL="0" marR="0" lvl="0" indent="0" algn="ctr" rtl="0">
+              <a:lnSpc>
+                <a:spcPct val="150000"/>
+              </a:lnSpc>
+              <a:spcBef>
+                <a:spcPts val="0"/>
+              </a:spcBef>
+              <a:buSzPct val="25000"/>
+              <a:buNone/>
+            </a:pPr>
+            <a:r>
+              <a:rPr lang="en-US" sz="2400" b="0" i="0" u="none" strike="noStrike" cap="none" dirty="0">
+                <a:solidFill>
+                  <a:schemeClr val="lt1"/>
+                </a:solidFill>
+                <a:latin typeface="Roboto Light"/>
+                <a:ea typeface="Roboto Light"/>
+                <a:cs typeface="Roboto Light"/>
+                <a:sym typeface="Roboto Light"/>
+              </a:rPr>
+              <a:t>Get The Assets:</a:t>
+            </a:r>
+          </a:p>
+          <a:p>
+            <a:pPr lvl="0" algn="ctr">
+              <a:lnSpc>
+                <a:spcPct val="150000"/>
+              </a:lnSpc>
+              <a:buSzPct val="25000"/>
+            </a:pPr>
+            <a:r>
+              <a:rPr lang="en-US" sz="4000" dirty="0" err="1" smtClean="0">
+                <a:solidFill>
+                  <a:schemeClr val="lt1"/>
+                </a:solidFill>
+                <a:latin typeface="Consolas"/>
+                <a:ea typeface="Consolas"/>
+                <a:cs typeface="Consolas"/>
+                <a:sym typeface="Consolas"/>
+              </a:rPr>
+              <a:t>bit.ly</a:t>
+            </a:r>
+            <a:r>
+              <a:rPr lang="en-US" sz="4000" dirty="0" smtClean="0">
+                <a:solidFill>
+                  <a:schemeClr val="lt1"/>
+                </a:solidFill>
+                <a:latin typeface="Consolas"/>
+                <a:ea typeface="Consolas"/>
+                <a:cs typeface="Consolas"/>
+                <a:sym typeface="Consolas"/>
+              </a:rPr>
+              <a:t>/</a:t>
+            </a:r>
+            <a:r>
+              <a:rPr lang="en-US" sz="4000" dirty="0" err="1" smtClean="0">
+                <a:solidFill>
+                  <a:schemeClr val="lt1"/>
+                </a:solidFill>
+                <a:latin typeface="Consolas"/>
+                <a:ea typeface="Consolas"/>
+                <a:cs typeface="Consolas"/>
+                <a:sym typeface="Consolas"/>
+              </a:rPr>
+              <a:t>UnityRSNYC</a:t>
+            </a:r>
+            <a:endParaRPr lang="en-US" sz="4000" dirty="0" smtClean="0">
+              <a:solidFill>
+                <a:schemeClr val="lt1"/>
+              </a:solidFill>
+              <a:latin typeface="Consolas"/>
+              <a:ea typeface="Consolas"/>
+              <a:cs typeface="Consolas"/>
+              <a:sym typeface="Consolas"/>
+            </a:endParaRPr>
+          </a:p>
+        </p:txBody>
+      </p:sp>
+    </p:spTree>
+    <p:extLst>
+      <p:ext uri="{BB962C8B-B14F-4D97-AF65-F5344CB8AC3E}">
+        <p14:creationId xmlns:p14="http://schemas.microsoft.com/office/powerpoint/2010/main" val="1536442440"/>
+      </p:ext>
+    </p:extLst>
+  </p:cSld>
+  <p:clrMapOvr>
+    <a:masterClrMapping/>
+  </p:clrMapOvr>
+</p:sld>
+</file>
+
+<file path=ppt/slides/slide30.xml><?xml version="1.0" encoding="utf-8"?>
 <p:sld xmlns:a="http://schemas.openxmlformats.org/drawingml/2006/main" xmlns:r="http://schemas.openxmlformats.org/officeDocument/2006/relationships" xmlns:p="http://schemas.openxmlformats.org/presentationml/2006/main">
   <p:cSld>
     <p:spTree>
@@ -42006,7 +41699,7 @@
 </p:sld>
 </file>
 
-<file path=ppt/slides/slide32.xml><?xml version="1.0" encoding="utf-8"?>
+<file path=ppt/slides/slide31.xml><?xml version="1.0" encoding="utf-8"?>
 <p:sld xmlns:a="http://schemas.openxmlformats.org/drawingml/2006/main" xmlns:r="http://schemas.openxmlformats.org/officeDocument/2006/relationships" xmlns:p="http://schemas.openxmlformats.org/presentationml/2006/main">
   <p:cSld>
     <p:spTree>
@@ -42173,7 +41866,7 @@
 </p:sld>
 </file>
 
-<file path=ppt/slides/slide33.xml><?xml version="1.0" encoding="utf-8"?>
+<file path=ppt/slides/slide32.xml><?xml version="1.0" encoding="utf-8"?>
 <p:sld xmlns:a="http://schemas.openxmlformats.org/drawingml/2006/main" xmlns:r="http://schemas.openxmlformats.org/officeDocument/2006/relationships" xmlns:p="http://schemas.openxmlformats.org/presentationml/2006/main">
   <p:cSld>
     <p:spTree>
@@ -42256,18 +41949,6 @@
                 <a:sym typeface="Roboto Thin"/>
               </a:rPr>
             </a:br>
-            <a:r>
-              <a:rPr lang="en-US" sz="3600" b="0" i="0" u="none" strike="noStrike" cap="none" dirty="0" smtClean="0">
-                <a:solidFill>
-                  <a:schemeClr val="lt1"/>
-                </a:solidFill>
-                <a:latin typeface="Roboto Thin"/>
-                <a:ea typeface="Roboto Thin"/>
-                <a:cs typeface="Roboto Thin"/>
-                <a:sym typeface="Roboto Thin"/>
-              </a:rPr>
-              <a:t>bit.ly/rsnyc717</a:t>
-            </a:r>
             <a:endParaRPr lang="en-US" sz="3600" b="0" i="0" u="none" strike="noStrike" cap="none" dirty="0">
               <a:solidFill>
                 <a:schemeClr val="lt1"/>
@@ -42289,253 +41970,6 @@
 </file>
 
 <file path=ppt/slides/slide4.xml><?xml version="1.0" encoding="utf-8"?>
-<p:sld xmlns:a="http://schemas.openxmlformats.org/drawingml/2006/main" xmlns:r="http://schemas.openxmlformats.org/officeDocument/2006/relationships" xmlns:p="http://schemas.openxmlformats.org/presentationml/2006/main">
-  <p:cSld>
-    <p:spTree>
-      <p:nvGrpSpPr>
-        <p:cNvPr id="1" name="Shape 222"/>
-        <p:cNvGrpSpPr/>
-        <p:nvPr/>
-      </p:nvGrpSpPr>
-      <p:grpSpPr>
-        <a:xfrm>
-          <a:off x="0" y="0"/>
-          <a:ext cx="0" cy="0"/>
-          <a:chOff x="0" y="0"/>
-          <a:chExt cx="0" cy="0"/>
-        </a:xfrm>
-      </p:grpSpPr>
-      <p:sp>
-        <p:nvSpPr>
-          <p:cNvPr id="223" name="Shape 223"/>
-          <p:cNvSpPr txBox="1">
-            <a:spLocks noGrp="1"/>
-          </p:cNvSpPr>
-          <p:nvPr>
-            <p:ph type="title"/>
-          </p:nvPr>
-        </p:nvSpPr>
-        <p:spPr>
-          <a:xfrm>
-            <a:off x="671495" y="678079"/>
-            <a:ext cx="7824751" cy="1481983"/>
-          </a:xfrm>
-          <a:prstGeom prst="rect">
-            <a:avLst/>
-          </a:prstGeom>
-          <a:noFill/>
-          <a:ln>
-            <a:noFill/>
-          </a:ln>
-        </p:spPr>
-        <p:txBody>
-          <a:bodyPr lIns="0" tIns="0" rIns="0" bIns="0" anchor="ctr" anchorCtr="0">
-            <a:noAutofit/>
-          </a:bodyPr>
-          <a:lstStyle/>
-          <a:p>
-            <a:pPr marL="0" marR="0" lvl="0" indent="0" algn="ctr" rtl="0">
-              <a:lnSpc>
-                <a:spcPct val="90000"/>
-              </a:lnSpc>
-              <a:spcBef>
-                <a:spcPts val="0"/>
-              </a:spcBef>
-              <a:buClr>
-                <a:srgbClr val="009688"/>
-              </a:buClr>
-              <a:buSzPct val="25000"/>
-              <a:buFont typeface="Roboto Thin"/>
-              <a:buNone/>
-            </a:pPr>
-            <a:r>
-              <a:rPr lang="en-US" sz="3600" b="0" i="0" u="none" strike="noStrike" cap="none" dirty="0">
-                <a:solidFill>
-                  <a:srgbClr val="009688"/>
-                </a:solidFill>
-                <a:latin typeface="Roboto Thin"/>
-                <a:ea typeface="Roboto Thin"/>
-                <a:cs typeface="Roboto Thin"/>
-                <a:sym typeface="Roboto Thin"/>
-              </a:rPr>
-              <a:t>Viking Quest VR</a:t>
-            </a:r>
-          </a:p>
-        </p:txBody>
-      </p:sp>
-      <p:sp>
-        <p:nvSpPr>
-          <p:cNvPr id="224" name="Shape 224"/>
-          <p:cNvSpPr txBox="1"/>
-          <p:nvPr/>
-        </p:nvSpPr>
-        <p:spPr>
-          <a:xfrm>
-            <a:off x="1408050" y="2101359"/>
-            <a:ext cx="6773424" cy="1827745"/>
-          </a:xfrm>
-          <a:prstGeom prst="rect">
-            <a:avLst/>
-          </a:prstGeom>
-          <a:noFill/>
-          <a:ln>
-            <a:noFill/>
-          </a:ln>
-        </p:spPr>
-        <p:txBody>
-          <a:bodyPr lIns="0" tIns="0" rIns="0" bIns="0" anchor="t" anchorCtr="0">
-            <a:noAutofit/>
-          </a:bodyPr>
-          <a:lstStyle/>
-          <a:p>
-            <a:pPr marL="0" marR="0" lvl="0" indent="0" algn="ctr" rtl="0">
-              <a:lnSpc>
-                <a:spcPct val="150000"/>
-              </a:lnSpc>
-              <a:spcBef>
-                <a:spcPts val="0"/>
-              </a:spcBef>
-              <a:buSzPct val="25000"/>
-              <a:buNone/>
-            </a:pPr>
-            <a:r>
-              <a:rPr lang="en-US" sz="2400" b="0" i="0" u="none" strike="noStrike" cap="none" dirty="0">
-                <a:solidFill>
-                  <a:schemeClr val="lt1"/>
-                </a:solidFill>
-                <a:latin typeface="Roboto Light"/>
-                <a:ea typeface="Roboto Light"/>
-                <a:cs typeface="Roboto Light"/>
-                <a:sym typeface="Roboto Light"/>
-              </a:rPr>
-              <a:t>Get The Assets:</a:t>
-            </a:r>
-          </a:p>
-          <a:p>
-            <a:pPr lvl="0" algn="ctr">
-              <a:lnSpc>
-                <a:spcPct val="150000"/>
-              </a:lnSpc>
-              <a:buSzPct val="25000"/>
-            </a:pPr>
-            <a:r>
-              <a:rPr lang="en-US" sz="4000" dirty="0" smtClean="0">
-                <a:solidFill>
-                  <a:schemeClr val="lt1"/>
-                </a:solidFill>
-                <a:latin typeface="Consolas"/>
-                <a:ea typeface="Consolas"/>
-                <a:cs typeface="Consolas"/>
-                <a:sym typeface="Consolas"/>
-              </a:rPr>
-              <a:t>bit.ly/</a:t>
-            </a:r>
-            <a:r>
-              <a:rPr lang="en-US" sz="4000" dirty="0" err="1" smtClean="0">
-                <a:solidFill>
-                  <a:schemeClr val="lt1"/>
-                </a:solidFill>
-                <a:latin typeface="Consolas"/>
-                <a:ea typeface="Consolas"/>
-                <a:cs typeface="Consolas"/>
-                <a:sym typeface="Consolas"/>
-              </a:rPr>
-              <a:t>UnityRSNYC</a:t>
-            </a:r>
-            <a:endParaRPr lang="en-US" sz="4000" dirty="0" smtClean="0">
-              <a:solidFill>
-                <a:schemeClr val="lt1"/>
-              </a:solidFill>
-              <a:latin typeface="Consolas"/>
-              <a:ea typeface="Consolas"/>
-              <a:cs typeface="Consolas"/>
-              <a:sym typeface="Consolas"/>
-            </a:endParaRPr>
-          </a:p>
-          <a:p>
-            <a:pPr lvl="0" algn="ctr">
-              <a:lnSpc>
-                <a:spcPct val="150000"/>
-              </a:lnSpc>
-              <a:buSzPct val="25000"/>
-            </a:pPr>
-            <a:r>
-              <a:rPr lang="en-US" sz="1350" dirty="0" smtClean="0">
-                <a:solidFill>
-                  <a:schemeClr val="lt1"/>
-                </a:solidFill>
-                <a:latin typeface="Roboto Light"/>
-                <a:ea typeface="Roboto Light"/>
-                <a:cs typeface="Roboto Light"/>
-                <a:sym typeface="Roboto Light"/>
-              </a:rPr>
-              <a:t>Dan </a:t>
-            </a:r>
-            <a:r>
-              <a:rPr lang="en-US" sz="1350" dirty="0">
-                <a:solidFill>
-                  <a:schemeClr val="lt1"/>
-                </a:solidFill>
-                <a:latin typeface="Roboto Light"/>
-                <a:ea typeface="Roboto Light"/>
-                <a:cs typeface="Roboto Light"/>
-                <a:sym typeface="Roboto Light"/>
-              </a:rPr>
-              <a:t>Miller</a:t>
-            </a:r>
-            <a:r>
-              <a:rPr lang="en-US" sz="1350" b="0" i="0" u="none" strike="noStrike" cap="none" dirty="0">
-                <a:solidFill>
-                  <a:schemeClr val="lt1"/>
-                </a:solidFill>
-                <a:latin typeface="Roboto Light"/>
-                <a:ea typeface="Roboto Light"/>
-                <a:cs typeface="Roboto Light"/>
-                <a:sym typeface="Roboto Light"/>
-              </a:rPr>
-              <a:t> – </a:t>
-            </a:r>
-            <a:r>
-              <a:rPr lang="en-US" sz="1350" dirty="0">
-                <a:solidFill>
-                  <a:schemeClr val="lt1"/>
-                </a:solidFill>
-                <a:latin typeface="Roboto Light"/>
-                <a:ea typeface="Roboto Light"/>
-                <a:cs typeface="Roboto Light"/>
-                <a:sym typeface="Roboto Light"/>
-              </a:rPr>
-              <a:t>danielmi</a:t>
-            </a:r>
-            <a:r>
-              <a:rPr lang="en-US" sz="1350" b="0" i="0" u="none" strike="noStrike" cap="none" dirty="0">
-                <a:solidFill>
-                  <a:schemeClr val="lt1"/>
-                </a:solidFill>
-                <a:latin typeface="Roboto Light"/>
-                <a:ea typeface="Roboto Light"/>
-                <a:cs typeface="Roboto Light"/>
-                <a:sym typeface="Roboto Light"/>
-              </a:rPr>
-              <a:t>@Unity3d.com</a:t>
-            </a:r>
-          </a:p>
-        </p:txBody>
-      </p:sp>
-    </p:spTree>
-    <p:extLst>
-      <p:ext uri="{BB962C8B-B14F-4D97-AF65-F5344CB8AC3E}">
-        <p14:creationId xmlns:p14="http://schemas.microsoft.com/office/powerpoint/2010/main" val="1536442440"/>
-      </p:ext>
-    </p:extLst>
-  </p:cSld>
-  <p:clrMapOvr>
-    <a:masterClrMapping/>
-  </p:clrMapOvr>
-</p:sld>
-</file>
-
-<file path=ppt/slides/slide5.xml><?xml version="1.0" encoding="utf-8"?>
 <p:sld xmlns:a="http://schemas.openxmlformats.org/drawingml/2006/main" xmlns:r="http://schemas.openxmlformats.org/officeDocument/2006/relationships" xmlns:p="http://schemas.openxmlformats.org/presentationml/2006/main">
   <p:cSld>
     <p:spTree>
@@ -42664,7 +42098,7 @@
 </p:sld>
 </file>
 
-<file path=ppt/slides/slide6.xml><?xml version="1.0" encoding="utf-8"?>
+<file path=ppt/slides/slide5.xml><?xml version="1.0" encoding="utf-8"?>
 <p:sld xmlns:a="http://schemas.openxmlformats.org/drawingml/2006/main" xmlns:r="http://schemas.openxmlformats.org/officeDocument/2006/relationships" xmlns:p="http://schemas.openxmlformats.org/presentationml/2006/main">
   <p:cSld>
     <p:spTree>
@@ -42832,7 +42266,7 @@
 </p:sld>
 </file>
 
-<file path=ppt/slides/slide7.xml><?xml version="1.0" encoding="utf-8"?>
+<file path=ppt/slides/slide6.xml><?xml version="1.0" encoding="utf-8"?>
 <p:sld xmlns:a="http://schemas.openxmlformats.org/drawingml/2006/main" xmlns:r="http://schemas.openxmlformats.org/officeDocument/2006/relationships" xmlns:p="http://schemas.openxmlformats.org/presentationml/2006/main">
   <p:cSld>
     <p:spTree>
@@ -42997,7 +42431,7 @@
 </p:sld>
 </file>
 
-<file path=ppt/slides/slide8.xml><?xml version="1.0" encoding="utf-8"?>
+<file path=ppt/slides/slide7.xml><?xml version="1.0" encoding="utf-8"?>
 <p:sld xmlns:a="http://schemas.openxmlformats.org/drawingml/2006/main" xmlns:r="http://schemas.openxmlformats.org/officeDocument/2006/relationships" xmlns:p="http://schemas.openxmlformats.org/presentationml/2006/main">
   <p:cSld>
     <p:spTree>
@@ -43162,7 +42596,7 @@
 </p:sld>
 </file>
 
-<file path=ppt/slides/slide9.xml><?xml version="1.0" encoding="utf-8"?>
+<file path=ppt/slides/slide8.xml><?xml version="1.0" encoding="utf-8"?>
 <p:sld xmlns:a="http://schemas.openxmlformats.org/drawingml/2006/main" xmlns:r="http://schemas.openxmlformats.org/officeDocument/2006/relationships" xmlns:p="http://schemas.openxmlformats.org/presentationml/2006/main">
   <p:cSld>
     <p:spTree>
@@ -43319,6 +42753,240 @@
           </a:ln>
         </p:spPr>
       </p:pic>
+    </p:spTree>
+  </p:cSld>
+  <p:clrMapOvr>
+    <a:masterClrMapping/>
+  </p:clrMapOvr>
+</p:sld>
+</file>
+
+<file path=ppt/slides/slide9.xml><?xml version="1.0" encoding="utf-8"?>
+<p:sld xmlns:a="http://schemas.openxmlformats.org/drawingml/2006/main" xmlns:r="http://schemas.openxmlformats.org/officeDocument/2006/relationships" xmlns:p="http://schemas.openxmlformats.org/presentationml/2006/main">
+  <p:cSld>
+    <p:spTree>
+      <p:nvGrpSpPr>
+        <p:cNvPr id="1" name="Shape 262"/>
+        <p:cNvGrpSpPr/>
+        <p:nvPr/>
+      </p:nvGrpSpPr>
+      <p:grpSpPr>
+        <a:xfrm>
+          <a:off x="0" y="0"/>
+          <a:ext cx="0" cy="0"/>
+          <a:chOff x="0" y="0"/>
+          <a:chExt cx="0" cy="0"/>
+        </a:xfrm>
+      </p:grpSpPr>
+      <p:sp>
+        <p:nvSpPr>
+          <p:cNvPr id="263" name="Shape 263"/>
+          <p:cNvSpPr txBox="1">
+            <a:spLocks noGrp="1"/>
+          </p:cNvSpPr>
+          <p:nvPr>
+            <p:ph type="title"/>
+          </p:nvPr>
+        </p:nvSpPr>
+        <p:spPr>
+          <a:xfrm>
+            <a:off x="507599" y="514350"/>
+            <a:ext cx="8121600" cy="809123"/>
+          </a:xfrm>
+          <a:prstGeom prst="rect">
+            <a:avLst/>
+          </a:prstGeom>
+          <a:noFill/>
+          <a:ln>
+            <a:noFill/>
+          </a:ln>
+        </p:spPr>
+        <p:txBody>
+          <a:bodyPr lIns="0" tIns="0" rIns="0" bIns="0" anchor="t" anchorCtr="0">
+            <a:noAutofit/>
+          </a:bodyPr>
+          <a:lstStyle/>
+          <a:p>
+            <a:pPr marL="0" marR="0" lvl="0" indent="0" algn="l" rtl="0">
+              <a:lnSpc>
+                <a:spcPct val="90000"/>
+              </a:lnSpc>
+              <a:spcBef>
+                <a:spcPts val="0"/>
+              </a:spcBef>
+              <a:buClr>
+                <a:srgbClr val="E91E63"/>
+              </a:buClr>
+              <a:buSzPct val="25000"/>
+              <a:buFont typeface="Roboto Thin"/>
+              <a:buNone/>
+            </a:pPr>
+            <a:r>
+              <a:rPr lang="en-US" sz="3600" b="0" i="0" u="none" strike="noStrike" cap="none">
+                <a:solidFill>
+                  <a:srgbClr val="E91E63"/>
+                </a:solidFill>
+                <a:latin typeface="Roboto Thin"/>
+                <a:ea typeface="Roboto Thin"/>
+                <a:cs typeface="Roboto Thin"/>
+                <a:sym typeface="Roboto Thin"/>
+              </a:rPr>
+              <a:t>Objectives</a:t>
+            </a:r>
+          </a:p>
+        </p:txBody>
+      </p:sp>
+      <p:sp>
+        <p:nvSpPr>
+          <p:cNvPr id="264" name="Shape 264"/>
+          <p:cNvSpPr txBox="1">
+            <a:spLocks noGrp="1"/>
+          </p:cNvSpPr>
+          <p:nvPr>
+            <p:ph type="body" idx="1"/>
+          </p:nvPr>
+        </p:nvSpPr>
+        <p:spPr>
+          <a:xfrm>
+            <a:off x="539949" y="1380116"/>
+            <a:ext cx="8056800" cy="3039483"/>
+          </a:xfrm>
+          <a:prstGeom prst="rect">
+            <a:avLst/>
+          </a:prstGeom>
+          <a:noFill/>
+          <a:ln>
+            <a:noFill/>
+          </a:ln>
+        </p:spPr>
+        <p:txBody>
+          <a:bodyPr lIns="0" tIns="0" rIns="0" bIns="0" anchor="t" anchorCtr="0">
+            <a:noAutofit/>
+          </a:bodyPr>
+          <a:lstStyle/>
+          <a:p>
+            <a:pPr marL="285750" marR="0" lvl="0" indent="-285750" algn="l" rtl="0">
+              <a:lnSpc>
+                <a:spcPct val="150000"/>
+              </a:lnSpc>
+              <a:spcBef>
+                <a:spcPts val="0"/>
+              </a:spcBef>
+              <a:spcAft>
+                <a:spcPts val="0"/>
+              </a:spcAft>
+              <a:buClr>
+                <a:schemeClr val="lt1"/>
+              </a:buClr>
+              <a:buSzPct val="96428"/>
+              <a:buFont typeface="Arial"/>
+              <a:buChar char="•"/>
+            </a:pPr>
+            <a:r>
+              <a:rPr lang="en-US" sz="1350" b="0" i="0" u="none" strike="noStrike" cap="none">
+                <a:solidFill>
+                  <a:schemeClr val="lt1"/>
+                </a:solidFill>
+                <a:latin typeface="Roboto Light"/>
+                <a:ea typeface="Roboto Light"/>
+                <a:cs typeface="Roboto Light"/>
+                <a:sym typeface="Roboto Light"/>
+              </a:rPr>
+              <a:t>CREATE a game using content from the Asset Store</a:t>
+            </a:r>
+          </a:p>
+          <a:p>
+            <a:pPr marL="285750" marR="0" lvl="0" indent="-285750" algn="l" rtl="0">
+              <a:lnSpc>
+                <a:spcPct val="150000"/>
+              </a:lnSpc>
+              <a:spcBef>
+                <a:spcPts val="0"/>
+              </a:spcBef>
+              <a:spcAft>
+                <a:spcPts val="0"/>
+              </a:spcAft>
+              <a:buClr>
+                <a:schemeClr val="lt1"/>
+              </a:buClr>
+              <a:buSzPct val="96428"/>
+              <a:buFont typeface="Arial"/>
+              <a:buChar char="•"/>
+            </a:pPr>
+            <a:r>
+              <a:rPr lang="en-US" sz="1350" b="0" i="0" u="none" strike="noStrike" cap="none">
+                <a:solidFill>
+                  <a:schemeClr val="lt1"/>
+                </a:solidFill>
+                <a:latin typeface="Roboto Light"/>
+                <a:ea typeface="Roboto Light"/>
+                <a:cs typeface="Roboto Light"/>
+                <a:sym typeface="Roboto Light"/>
+              </a:rPr>
+              <a:t>CONSTRUCT a game with integrated VR</a:t>
+            </a:r>
+          </a:p>
+          <a:p>
+            <a:pPr marL="285750" marR="0" lvl="0" indent="-285750" algn="l" rtl="0">
+              <a:lnSpc>
+                <a:spcPct val="150000"/>
+              </a:lnSpc>
+              <a:spcBef>
+                <a:spcPts val="0"/>
+              </a:spcBef>
+              <a:spcAft>
+                <a:spcPts val="0"/>
+              </a:spcAft>
+              <a:buClr>
+                <a:schemeClr val="lt1"/>
+              </a:buClr>
+              <a:buSzPct val="96428"/>
+              <a:buFont typeface="Arial"/>
+              <a:buChar char="•"/>
+            </a:pPr>
+            <a:r>
+              <a:rPr lang="en-US" sz="1350" b="0" i="0" u="none" strike="noStrike" cap="none">
+                <a:solidFill>
+                  <a:schemeClr val="lt1"/>
+                </a:solidFill>
+                <a:latin typeface="Roboto Light"/>
+                <a:ea typeface="Roboto Light"/>
+                <a:cs typeface="Roboto Light"/>
+                <a:sym typeface="Roboto Light"/>
+              </a:rPr>
+              <a:t>DEMONSTRATE how to use the various tools of the Unity Editor</a:t>
+            </a:r>
+          </a:p>
+          <a:p>
+            <a:pPr marL="285750" marR="0" lvl="0" indent="-285750" algn="l" rtl="0">
+              <a:lnSpc>
+                <a:spcPct val="150000"/>
+              </a:lnSpc>
+              <a:spcBef>
+                <a:spcPts val="0"/>
+              </a:spcBef>
+              <a:buClr>
+                <a:schemeClr val="lt1"/>
+              </a:buClr>
+              <a:buSzPct val="96428"/>
+              <a:buFont typeface="Arial"/>
+              <a:buChar char="•"/>
+            </a:pPr>
+            <a:r>
+              <a:rPr lang="en-US" sz="1350" b="0" i="0" u="none" strike="noStrike" cap="none">
+                <a:solidFill>
+                  <a:schemeClr val="lt1"/>
+                </a:solidFill>
+                <a:latin typeface="Roboto Light"/>
+                <a:ea typeface="Roboto Light"/>
+                <a:cs typeface="Roboto Light"/>
+                <a:sym typeface="Roboto Light"/>
+              </a:rPr>
+              <a:t>IDENTIFY good design practices when building for VR</a:t>
+            </a:r>
+          </a:p>
+        </p:txBody>
+      </p:sp>
     </p:spTree>
   </p:cSld>
   <p:clrMapOvr>
